--- a/Flowcharts and Wireframes.pptx
+++ b/Flowcharts and Wireframes.pptx
@@ -3098,6 +3098,53 @@
       </p:grpSpPr>
       <p:sp>
         <p:nvSpPr>
+          <p:cNvPr id="88" name="Rectangle 87"/>
+          <p:cNvSpPr/>
+          <p:nvPr/>
+        </p:nvSpPr>
+        <p:spPr>
+          <a:xfrm>
+            <a:off x="341914" y="751145"/>
+            <a:ext cx="8450003" cy="5712062"/>
+          </a:xfrm>
+          <a:prstGeom prst="rect">
+            <a:avLst/>
+          </a:prstGeom>
+          <a:solidFill>
+            <a:schemeClr val="bg1">
+              <a:lumMod val="85000"/>
+              <a:alpha val="23000"/>
+            </a:schemeClr>
+          </a:solidFill>
+          <a:ln>
+            <a:noFill/>
+          </a:ln>
+        </p:spPr>
+        <p:style>
+          <a:lnRef idx="1">
+            <a:schemeClr val="accent1"/>
+          </a:lnRef>
+          <a:fillRef idx="3">
+            <a:schemeClr val="accent1"/>
+          </a:fillRef>
+          <a:effectRef idx="2">
+            <a:schemeClr val="accent1"/>
+          </a:effectRef>
+          <a:fontRef idx="minor">
+            <a:schemeClr val="lt1"/>
+          </a:fontRef>
+        </p:style>
+        <p:txBody>
+          <a:bodyPr rtlCol="0" anchor="ctr"/>
+          <a:lstStyle/>
+          <a:p>
+            <a:pPr algn="ctr"/>
+            <a:endParaRPr lang="en-US"/>
+          </a:p>
+        </p:txBody>
+      </p:sp>
+      <p:sp>
+        <p:nvSpPr>
           <p:cNvPr id="4" name="TextBox 3"/>
           <p:cNvSpPr txBox="1"/>
           <p:nvPr/>
@@ -3132,314 +3179,1703 @@
           </a:p>
         </p:txBody>
       </p:sp>
-      <p:sp>
-        <p:nvSpPr>
-          <p:cNvPr id="5" name="Rectangle 4"/>
-          <p:cNvSpPr/>
+      <p:grpSp>
+        <p:nvGrpSpPr>
+          <p:cNvPr id="87" name="Group 86"/>
+          <p:cNvGrpSpPr/>
           <p:nvPr/>
-        </p:nvSpPr>
-        <p:spPr>
+        </p:nvGrpSpPr>
+        <p:grpSpPr>
           <a:xfrm>
-            <a:off x="2442230" y="911687"/>
-            <a:ext cx="1953759" cy="602364"/>
+            <a:off x="1519592" y="1024975"/>
+            <a:ext cx="6369754" cy="5130965"/>
+            <a:chOff x="1519592" y="1024975"/>
+            <a:chExt cx="6369754" cy="5130965"/>
           </a:xfrm>
-          <a:prstGeom prst="rect">
-            <a:avLst/>
-          </a:prstGeom>
-        </p:spPr>
-        <p:style>
-          <a:lnRef idx="2">
-            <a:schemeClr val="accent1">
-              <a:shade val="50000"/>
-            </a:schemeClr>
-          </a:lnRef>
-          <a:fillRef idx="1">
-            <a:schemeClr val="accent1"/>
-          </a:fillRef>
-          <a:effectRef idx="0">
-            <a:schemeClr val="accent1"/>
-          </a:effectRef>
-          <a:fontRef idx="minor">
-            <a:schemeClr val="lt1"/>
-          </a:fontRef>
-        </p:style>
-        <p:txBody>
-          <a:bodyPr rtlCol="0" anchor="ctr"/>
-          <a:lstStyle/>
-          <a:p>
-            <a:pPr algn="ctr"/>
-            <a:r>
-              <a:rPr lang="en-US" dirty="0" smtClean="0"/>
-              <a:t>Welcome Page</a:t>
-            </a:r>
-            <a:endParaRPr lang="en-US" dirty="0"/>
-          </a:p>
-        </p:txBody>
-      </p:sp>
-      <p:sp>
-        <p:nvSpPr>
-          <p:cNvPr id="6" name="Rectangle 5"/>
-          <p:cNvSpPr/>
-          <p:nvPr/>
-        </p:nvSpPr>
-        <p:spPr>
-          <a:xfrm>
-            <a:off x="4395989" y="1796695"/>
-            <a:ext cx="1953759" cy="602364"/>
-          </a:xfrm>
-          <a:prstGeom prst="rect">
-            <a:avLst/>
-          </a:prstGeom>
-        </p:spPr>
-        <p:style>
-          <a:lnRef idx="2">
-            <a:schemeClr val="accent1">
-              <a:shade val="50000"/>
-            </a:schemeClr>
-          </a:lnRef>
-          <a:fillRef idx="1">
-            <a:schemeClr val="accent1"/>
-          </a:fillRef>
-          <a:effectRef idx="0">
-            <a:schemeClr val="accent1"/>
-          </a:effectRef>
-          <a:fontRef idx="minor">
-            <a:schemeClr val="lt1"/>
-          </a:fontRef>
-        </p:style>
-        <p:txBody>
-          <a:bodyPr rtlCol="0" anchor="ctr"/>
-          <a:lstStyle/>
-          <a:p>
-            <a:pPr algn="ctr"/>
-            <a:r>
-              <a:rPr lang="en-US" dirty="0" smtClean="0"/>
-              <a:t>Click Play</a:t>
-            </a:r>
-            <a:endParaRPr lang="en-US" dirty="0"/>
-          </a:p>
-        </p:txBody>
-      </p:sp>
-      <p:sp>
-        <p:nvSpPr>
-          <p:cNvPr id="7" name="Rectangle 6"/>
-          <p:cNvSpPr/>
-          <p:nvPr/>
-        </p:nvSpPr>
-        <p:spPr>
-          <a:xfrm>
-            <a:off x="488471" y="1796695"/>
-            <a:ext cx="1953759" cy="602364"/>
-          </a:xfrm>
-          <a:prstGeom prst="rect">
-            <a:avLst/>
-          </a:prstGeom>
-        </p:spPr>
-        <p:style>
-          <a:lnRef idx="2">
-            <a:schemeClr val="accent1">
-              <a:shade val="50000"/>
-            </a:schemeClr>
-          </a:lnRef>
-          <a:fillRef idx="1">
-            <a:schemeClr val="accent1"/>
-          </a:fillRef>
-          <a:effectRef idx="0">
-            <a:schemeClr val="accent1"/>
-          </a:effectRef>
-          <a:fontRef idx="minor">
-            <a:schemeClr val="lt1"/>
-          </a:fontRef>
-        </p:style>
-        <p:txBody>
-          <a:bodyPr rtlCol="0" anchor="ctr"/>
-          <a:lstStyle/>
-          <a:p>
-            <a:pPr algn="ctr"/>
-            <a:r>
-              <a:rPr lang="en-US" dirty="0" smtClean="0"/>
-              <a:t>Instructions</a:t>
-            </a:r>
-            <a:endParaRPr lang="en-US" dirty="0"/>
-          </a:p>
-        </p:txBody>
-      </p:sp>
-      <p:sp>
-        <p:nvSpPr>
-          <p:cNvPr id="8" name="Rectangle 7"/>
-          <p:cNvSpPr/>
-          <p:nvPr/>
-        </p:nvSpPr>
-        <p:spPr>
-          <a:xfrm>
-            <a:off x="4395989" y="2665421"/>
-            <a:ext cx="1953759" cy="602364"/>
-          </a:xfrm>
-          <a:prstGeom prst="rect">
-            <a:avLst/>
-          </a:prstGeom>
-        </p:spPr>
-        <p:style>
-          <a:lnRef idx="2">
-            <a:schemeClr val="accent1">
-              <a:shade val="50000"/>
-            </a:schemeClr>
-          </a:lnRef>
-          <a:fillRef idx="1">
-            <a:schemeClr val="accent1"/>
-          </a:fillRef>
-          <a:effectRef idx="0">
-            <a:schemeClr val="accent1"/>
-          </a:effectRef>
-          <a:fontRef idx="minor">
-            <a:schemeClr val="lt1"/>
-          </a:fontRef>
-        </p:style>
-        <p:txBody>
-          <a:bodyPr rtlCol="0" anchor="ctr"/>
-          <a:lstStyle/>
-          <a:p>
-            <a:pPr algn="ctr"/>
-            <a:r>
-              <a:rPr lang="en-US" dirty="0" smtClean="0"/>
-              <a:t>Round 1</a:t>
-            </a:r>
-            <a:endParaRPr lang="en-US" dirty="0"/>
-          </a:p>
-        </p:txBody>
-      </p:sp>
-      <p:sp>
-        <p:nvSpPr>
-          <p:cNvPr id="9" name="Rectangle 8"/>
-          <p:cNvSpPr/>
-          <p:nvPr/>
-        </p:nvSpPr>
-        <p:spPr>
-          <a:xfrm>
-            <a:off x="4395989" y="3550427"/>
-            <a:ext cx="1953759" cy="602364"/>
-          </a:xfrm>
-          <a:prstGeom prst="rect">
-            <a:avLst/>
-          </a:prstGeom>
-        </p:spPr>
-        <p:style>
-          <a:lnRef idx="2">
-            <a:schemeClr val="accent1">
-              <a:shade val="50000"/>
-            </a:schemeClr>
-          </a:lnRef>
-          <a:fillRef idx="1">
-            <a:schemeClr val="accent1"/>
-          </a:fillRef>
-          <a:effectRef idx="0">
-            <a:schemeClr val="accent1"/>
-          </a:effectRef>
-          <a:fontRef idx="minor">
-            <a:schemeClr val="lt1"/>
-          </a:fontRef>
-        </p:style>
-        <p:txBody>
-          <a:bodyPr rtlCol="0" anchor="ctr"/>
-          <a:lstStyle/>
-          <a:p>
-            <a:pPr algn="ctr"/>
-            <a:r>
-              <a:rPr lang="en-US" dirty="0" smtClean="0"/>
-              <a:t>Round 2</a:t>
-            </a:r>
-            <a:endParaRPr lang="en-US" dirty="0"/>
-          </a:p>
-        </p:txBody>
-      </p:sp>
-      <p:sp>
-        <p:nvSpPr>
-          <p:cNvPr id="10" name="Rectangle 9"/>
-          <p:cNvSpPr/>
-          <p:nvPr/>
-        </p:nvSpPr>
-        <p:spPr>
-          <a:xfrm>
-            <a:off x="4395989" y="4484273"/>
-            <a:ext cx="1953759" cy="602364"/>
-          </a:xfrm>
-          <a:prstGeom prst="rect">
-            <a:avLst/>
-          </a:prstGeom>
-        </p:spPr>
-        <p:style>
-          <a:lnRef idx="2">
-            <a:schemeClr val="accent1">
-              <a:shade val="50000"/>
-            </a:schemeClr>
-          </a:lnRef>
-          <a:fillRef idx="1">
-            <a:schemeClr val="accent1"/>
-          </a:fillRef>
-          <a:effectRef idx="0">
-            <a:schemeClr val="accent1"/>
-          </a:effectRef>
-          <a:fontRef idx="minor">
-            <a:schemeClr val="lt1"/>
-          </a:fontRef>
-        </p:style>
-        <p:txBody>
-          <a:bodyPr rtlCol="0" anchor="ctr"/>
-          <a:lstStyle/>
-          <a:p>
-            <a:pPr algn="ctr"/>
-            <a:r>
-              <a:rPr lang="en-US" dirty="0" smtClean="0"/>
-              <a:t>Round 3</a:t>
-            </a:r>
-            <a:endParaRPr lang="en-US" dirty="0"/>
-          </a:p>
-        </p:txBody>
-      </p:sp>
-      <p:sp>
-        <p:nvSpPr>
-          <p:cNvPr id="11" name="Rectangle 10"/>
-          <p:cNvSpPr/>
-          <p:nvPr/>
-        </p:nvSpPr>
-        <p:spPr>
-          <a:xfrm>
-            <a:off x="4395989" y="5398673"/>
-            <a:ext cx="1953759" cy="602364"/>
-          </a:xfrm>
-          <a:prstGeom prst="rect">
-            <a:avLst/>
-          </a:prstGeom>
-        </p:spPr>
-        <p:style>
-          <a:lnRef idx="2">
-            <a:schemeClr val="accent1">
-              <a:shade val="50000"/>
-            </a:schemeClr>
-          </a:lnRef>
-          <a:fillRef idx="1">
-            <a:schemeClr val="accent1"/>
-          </a:fillRef>
-          <a:effectRef idx="0">
-            <a:schemeClr val="accent1"/>
-          </a:effectRef>
-          <a:fontRef idx="minor">
-            <a:schemeClr val="lt1"/>
-          </a:fontRef>
-        </p:style>
-        <p:txBody>
-          <a:bodyPr rtlCol="0" anchor="ctr"/>
-          <a:lstStyle/>
-          <a:p>
-            <a:pPr algn="ctr"/>
-            <a:r>
-              <a:rPr lang="en-US" dirty="0" smtClean="0"/>
-              <a:t>Winner Page</a:t>
-            </a:r>
-            <a:endParaRPr lang="en-US" dirty="0"/>
-          </a:p>
-        </p:txBody>
-      </p:sp>
+        </p:grpSpPr>
+        <p:sp>
+          <p:nvSpPr>
+            <p:cNvPr id="5" name="Rectangle 4"/>
+            <p:cNvSpPr/>
+            <p:nvPr/>
+          </p:nvSpPr>
+          <p:spPr>
+            <a:xfrm>
+              <a:off x="3529171" y="1024975"/>
+              <a:ext cx="1493013" cy="253812"/>
+            </a:xfrm>
+            <a:prstGeom prst="rect">
+              <a:avLst/>
+            </a:prstGeom>
+          </p:spPr>
+          <p:style>
+            <a:lnRef idx="2">
+              <a:schemeClr val="accent1">
+                <a:shade val="50000"/>
+              </a:schemeClr>
+            </a:lnRef>
+            <a:fillRef idx="1">
+              <a:schemeClr val="accent1"/>
+            </a:fillRef>
+            <a:effectRef idx="0">
+              <a:schemeClr val="accent1"/>
+            </a:effectRef>
+            <a:fontRef idx="minor">
+              <a:schemeClr val="lt1"/>
+            </a:fontRef>
+          </p:style>
+          <p:txBody>
+            <a:bodyPr rtlCol="0" anchor="ctr"/>
+            <a:lstStyle/>
+            <a:p>
+              <a:pPr algn="ctr"/>
+              <a:r>
+                <a:rPr lang="en-US" sz="1400" dirty="0" smtClean="0"/>
+                <a:t>Welcome Page</a:t>
+              </a:r>
+              <a:endParaRPr lang="en-US" sz="1400" dirty="0"/>
+            </a:p>
+          </p:txBody>
+        </p:sp>
+        <p:sp>
+          <p:nvSpPr>
+            <p:cNvPr id="6" name="Rectangle 5"/>
+            <p:cNvSpPr/>
+            <p:nvPr/>
+          </p:nvSpPr>
+          <p:spPr>
+            <a:xfrm>
+              <a:off x="5482930" y="1951854"/>
+              <a:ext cx="1493013" cy="253812"/>
+            </a:xfrm>
+            <a:prstGeom prst="rect">
+              <a:avLst/>
+            </a:prstGeom>
+          </p:spPr>
+          <p:style>
+            <a:lnRef idx="2">
+              <a:schemeClr val="accent1">
+                <a:shade val="50000"/>
+              </a:schemeClr>
+            </a:lnRef>
+            <a:fillRef idx="1">
+              <a:schemeClr val="accent1"/>
+            </a:fillRef>
+            <a:effectRef idx="0">
+              <a:schemeClr val="accent1"/>
+            </a:effectRef>
+            <a:fontRef idx="minor">
+              <a:schemeClr val="lt1"/>
+            </a:fontRef>
+          </p:style>
+          <p:txBody>
+            <a:bodyPr rtlCol="0" anchor="ctr"/>
+            <a:lstStyle/>
+            <a:p>
+              <a:pPr algn="ctr"/>
+              <a:r>
+                <a:rPr lang="en-US" sz="1400" dirty="0" smtClean="0"/>
+                <a:t>Click Play</a:t>
+              </a:r>
+              <a:endParaRPr lang="en-US" sz="1400" dirty="0"/>
+            </a:p>
+          </p:txBody>
+        </p:sp>
+        <p:sp>
+          <p:nvSpPr>
+            <p:cNvPr id="7" name="Rectangle 6"/>
+            <p:cNvSpPr/>
+            <p:nvPr/>
+          </p:nvSpPr>
+          <p:spPr>
+            <a:xfrm>
+              <a:off x="1519592" y="1909983"/>
+              <a:ext cx="1493013" cy="253812"/>
+            </a:xfrm>
+            <a:prstGeom prst="rect">
+              <a:avLst/>
+            </a:prstGeom>
+          </p:spPr>
+          <p:style>
+            <a:lnRef idx="2">
+              <a:schemeClr val="accent1">
+                <a:shade val="50000"/>
+              </a:schemeClr>
+            </a:lnRef>
+            <a:fillRef idx="1">
+              <a:schemeClr val="accent1"/>
+            </a:fillRef>
+            <a:effectRef idx="0">
+              <a:schemeClr val="accent1"/>
+            </a:effectRef>
+            <a:fontRef idx="minor">
+              <a:schemeClr val="lt1"/>
+            </a:fontRef>
+          </p:style>
+          <p:txBody>
+            <a:bodyPr rtlCol="0" anchor="ctr"/>
+            <a:lstStyle/>
+            <a:p>
+              <a:pPr algn="ctr"/>
+              <a:r>
+                <a:rPr lang="en-US" sz="1400" dirty="0" smtClean="0"/>
+                <a:t>Instructions</a:t>
+              </a:r>
+              <a:endParaRPr lang="en-US" sz="1400" dirty="0"/>
+            </a:p>
+          </p:txBody>
+        </p:sp>
+        <p:sp>
+          <p:nvSpPr>
+            <p:cNvPr id="8" name="Rectangle 7"/>
+            <p:cNvSpPr/>
+            <p:nvPr/>
+          </p:nvSpPr>
+          <p:spPr>
+            <a:xfrm>
+              <a:off x="5482930" y="2932236"/>
+              <a:ext cx="1493013" cy="253812"/>
+            </a:xfrm>
+            <a:prstGeom prst="rect">
+              <a:avLst/>
+            </a:prstGeom>
+          </p:spPr>
+          <p:style>
+            <a:lnRef idx="2">
+              <a:schemeClr val="accent1">
+                <a:shade val="50000"/>
+              </a:schemeClr>
+            </a:lnRef>
+            <a:fillRef idx="1">
+              <a:schemeClr val="accent1"/>
+            </a:fillRef>
+            <a:effectRef idx="0">
+              <a:schemeClr val="accent1"/>
+            </a:effectRef>
+            <a:fontRef idx="minor">
+              <a:schemeClr val="lt1"/>
+            </a:fontRef>
+          </p:style>
+          <p:txBody>
+            <a:bodyPr rtlCol="0" anchor="ctr"/>
+            <a:lstStyle/>
+            <a:p>
+              <a:pPr algn="ctr"/>
+              <a:r>
+                <a:rPr lang="en-US" sz="1400" dirty="0" smtClean="0"/>
+                <a:t>Round 1</a:t>
+              </a:r>
+              <a:endParaRPr lang="en-US" sz="1400" dirty="0"/>
+            </a:p>
+          </p:txBody>
+        </p:sp>
+        <p:sp>
+          <p:nvSpPr>
+            <p:cNvPr id="9" name="Rectangle 8"/>
+            <p:cNvSpPr/>
+            <p:nvPr/>
+          </p:nvSpPr>
+          <p:spPr>
+            <a:xfrm>
+              <a:off x="5482930" y="3919786"/>
+              <a:ext cx="1493013" cy="253812"/>
+            </a:xfrm>
+            <a:prstGeom prst="rect">
+              <a:avLst/>
+            </a:prstGeom>
+          </p:spPr>
+          <p:style>
+            <a:lnRef idx="2">
+              <a:schemeClr val="accent1">
+                <a:shade val="50000"/>
+              </a:schemeClr>
+            </a:lnRef>
+            <a:fillRef idx="1">
+              <a:schemeClr val="accent1"/>
+            </a:fillRef>
+            <a:effectRef idx="0">
+              <a:schemeClr val="accent1"/>
+            </a:effectRef>
+            <a:fontRef idx="minor">
+              <a:schemeClr val="lt1"/>
+            </a:fontRef>
+          </p:style>
+          <p:txBody>
+            <a:bodyPr rtlCol="0" anchor="ctr"/>
+            <a:lstStyle/>
+            <a:p>
+              <a:pPr algn="ctr"/>
+              <a:r>
+                <a:rPr lang="en-US" sz="1400" dirty="0" smtClean="0"/>
+                <a:t>Round 2</a:t>
+              </a:r>
+              <a:endParaRPr lang="en-US" sz="1400" dirty="0"/>
+            </a:p>
+          </p:txBody>
+        </p:sp>
+        <p:sp>
+          <p:nvSpPr>
+            <p:cNvPr id="10" name="Rectangle 9"/>
+            <p:cNvSpPr/>
+            <p:nvPr/>
+          </p:nvSpPr>
+          <p:spPr>
+            <a:xfrm>
+              <a:off x="5482930" y="4908848"/>
+              <a:ext cx="1493013" cy="253812"/>
+            </a:xfrm>
+            <a:prstGeom prst="rect">
+              <a:avLst/>
+            </a:prstGeom>
+          </p:spPr>
+          <p:style>
+            <a:lnRef idx="2">
+              <a:schemeClr val="accent1">
+                <a:shade val="50000"/>
+              </a:schemeClr>
+            </a:lnRef>
+            <a:fillRef idx="1">
+              <a:schemeClr val="accent1"/>
+            </a:fillRef>
+            <a:effectRef idx="0">
+              <a:schemeClr val="accent1"/>
+            </a:effectRef>
+            <a:fontRef idx="minor">
+              <a:schemeClr val="lt1"/>
+            </a:fontRef>
+          </p:style>
+          <p:txBody>
+            <a:bodyPr rtlCol="0" anchor="ctr"/>
+            <a:lstStyle/>
+            <a:p>
+              <a:pPr algn="ctr"/>
+              <a:r>
+                <a:rPr lang="en-US" sz="1400" dirty="0" smtClean="0"/>
+                <a:t>Round 3</a:t>
+              </a:r>
+              <a:endParaRPr lang="en-US" sz="1400" dirty="0"/>
+            </a:p>
+          </p:txBody>
+        </p:sp>
+        <p:sp>
+          <p:nvSpPr>
+            <p:cNvPr id="11" name="Rectangle 10"/>
+            <p:cNvSpPr/>
+            <p:nvPr/>
+          </p:nvSpPr>
+          <p:spPr>
+            <a:xfrm>
+              <a:off x="5482930" y="5902128"/>
+              <a:ext cx="1493013" cy="253812"/>
+            </a:xfrm>
+            <a:prstGeom prst="rect">
+              <a:avLst/>
+            </a:prstGeom>
+          </p:spPr>
+          <p:style>
+            <a:lnRef idx="2">
+              <a:schemeClr val="accent1">
+                <a:shade val="50000"/>
+              </a:schemeClr>
+            </a:lnRef>
+            <a:fillRef idx="1">
+              <a:schemeClr val="accent1"/>
+            </a:fillRef>
+            <a:effectRef idx="0">
+              <a:schemeClr val="accent1"/>
+            </a:effectRef>
+            <a:fontRef idx="minor">
+              <a:schemeClr val="lt1"/>
+            </a:fontRef>
+          </p:style>
+          <p:txBody>
+            <a:bodyPr rtlCol="0" anchor="ctr"/>
+            <a:lstStyle/>
+            <a:p>
+              <a:pPr algn="ctr"/>
+              <a:r>
+                <a:rPr lang="en-US" sz="1400" dirty="0" smtClean="0"/>
+                <a:t>Winner Page</a:t>
+              </a:r>
+              <a:endParaRPr lang="en-US" sz="1400" dirty="0"/>
+            </a:p>
+          </p:txBody>
+        </p:sp>
+        <p:cxnSp>
+          <p:nvCxnSpPr>
+            <p:cNvPr id="3" name="Straight Connector 2"/>
+            <p:cNvCxnSpPr/>
+            <p:nvPr/>
+          </p:nvCxnSpPr>
+          <p:spPr>
+            <a:xfrm>
+              <a:off x="7889346" y="2039320"/>
+              <a:ext cx="0" cy="3440617"/>
+            </a:xfrm>
+            <a:prstGeom prst="line">
+              <a:avLst/>
+            </a:prstGeom>
+          </p:spPr>
+          <p:style>
+            <a:lnRef idx="2">
+              <a:schemeClr val="dk1"/>
+            </a:lnRef>
+            <a:fillRef idx="0">
+              <a:schemeClr val="dk1"/>
+            </a:fillRef>
+            <a:effectRef idx="1">
+              <a:schemeClr val="dk1"/>
+            </a:effectRef>
+            <a:fontRef idx="minor">
+              <a:schemeClr val="tx1"/>
+            </a:fontRef>
+          </p:style>
+        </p:cxnSp>
+        <p:cxnSp>
+          <p:nvCxnSpPr>
+            <p:cNvPr id="15" name="Straight Connector 14"/>
+            <p:cNvCxnSpPr>
+              <a:endCxn id="7" idx="3"/>
+            </p:cNvCxnSpPr>
+            <p:nvPr/>
+          </p:nvCxnSpPr>
+          <p:spPr>
+            <a:xfrm flipH="1" flipV="1">
+              <a:off x="3012605" y="2036889"/>
+              <a:ext cx="1256215" cy="2431"/>
+            </a:xfrm>
+            <a:prstGeom prst="line">
+              <a:avLst/>
+            </a:prstGeom>
+          </p:spPr>
+          <p:style>
+            <a:lnRef idx="2">
+              <a:schemeClr val="dk1"/>
+            </a:lnRef>
+            <a:fillRef idx="0">
+              <a:schemeClr val="dk1"/>
+            </a:fillRef>
+            <a:effectRef idx="1">
+              <a:schemeClr val="dk1"/>
+            </a:effectRef>
+            <a:fontRef idx="minor">
+              <a:schemeClr val="tx1"/>
+            </a:fontRef>
+          </p:style>
+        </p:cxnSp>
+        <p:cxnSp>
+          <p:nvCxnSpPr>
+            <p:cNvPr id="23" name="Straight Connector 22"/>
+            <p:cNvCxnSpPr/>
+            <p:nvPr/>
+          </p:nvCxnSpPr>
+          <p:spPr>
+            <a:xfrm flipH="1" flipV="1">
+              <a:off x="4268821" y="2034459"/>
+              <a:ext cx="1214109" cy="2430"/>
+            </a:xfrm>
+            <a:prstGeom prst="line">
+              <a:avLst/>
+            </a:prstGeom>
+          </p:spPr>
+          <p:style>
+            <a:lnRef idx="2">
+              <a:schemeClr val="dk1"/>
+            </a:lnRef>
+            <a:fillRef idx="0">
+              <a:schemeClr val="dk1"/>
+            </a:fillRef>
+            <a:effectRef idx="1">
+              <a:schemeClr val="dk1"/>
+            </a:effectRef>
+            <a:fontRef idx="minor">
+              <a:schemeClr val="tx1"/>
+            </a:fontRef>
+          </p:style>
+        </p:cxnSp>
+        <p:cxnSp>
+          <p:nvCxnSpPr>
+            <p:cNvPr id="25" name="Straight Connector 24"/>
+            <p:cNvCxnSpPr/>
+            <p:nvPr/>
+          </p:nvCxnSpPr>
+          <p:spPr>
+            <a:xfrm>
+              <a:off x="2258198" y="1149450"/>
+              <a:ext cx="0" cy="760533"/>
+            </a:xfrm>
+            <a:prstGeom prst="line">
+              <a:avLst/>
+            </a:prstGeom>
+          </p:spPr>
+          <p:style>
+            <a:lnRef idx="2">
+              <a:schemeClr val="dk1"/>
+            </a:lnRef>
+            <a:fillRef idx="0">
+              <a:schemeClr val="dk1"/>
+            </a:fillRef>
+            <a:effectRef idx="1">
+              <a:schemeClr val="dk1"/>
+            </a:effectRef>
+            <a:fontRef idx="minor">
+              <a:schemeClr val="tx1"/>
+            </a:fontRef>
+          </p:style>
+        </p:cxnSp>
+        <p:cxnSp>
+          <p:nvCxnSpPr>
+            <p:cNvPr id="26" name="Straight Connector 25"/>
+            <p:cNvCxnSpPr/>
+            <p:nvPr/>
+          </p:nvCxnSpPr>
+          <p:spPr>
+            <a:xfrm flipH="1" flipV="1">
+              <a:off x="2244243" y="1149450"/>
+              <a:ext cx="1256215" cy="2431"/>
+            </a:xfrm>
+            <a:prstGeom prst="line">
+              <a:avLst/>
+            </a:prstGeom>
+          </p:spPr>
+          <p:style>
+            <a:lnRef idx="2">
+              <a:schemeClr val="dk1"/>
+            </a:lnRef>
+            <a:fillRef idx="0">
+              <a:schemeClr val="dk1"/>
+            </a:fillRef>
+            <a:effectRef idx="1">
+              <a:schemeClr val="dk1"/>
+            </a:effectRef>
+            <a:fontRef idx="minor">
+              <a:schemeClr val="tx1"/>
+            </a:fontRef>
+          </p:style>
+        </p:cxnSp>
+        <p:sp>
+          <p:nvSpPr>
+            <p:cNvPr id="27" name="Oval 26"/>
+            <p:cNvSpPr/>
+            <p:nvPr/>
+          </p:nvSpPr>
+          <p:spPr>
+            <a:xfrm>
+              <a:off x="5217839" y="2332405"/>
+              <a:ext cx="530181" cy="497032"/>
+            </a:xfrm>
+            <a:prstGeom prst="ellipse">
+              <a:avLst/>
+            </a:prstGeom>
+          </p:spPr>
+          <p:style>
+            <a:lnRef idx="2">
+              <a:schemeClr val="accent3">
+                <a:shade val="50000"/>
+              </a:schemeClr>
+            </a:lnRef>
+            <a:fillRef idx="1">
+              <a:schemeClr val="accent3"/>
+            </a:fillRef>
+            <a:effectRef idx="0">
+              <a:schemeClr val="accent3"/>
+            </a:effectRef>
+            <a:fontRef idx="minor">
+              <a:schemeClr val="lt1"/>
+            </a:fontRef>
+          </p:style>
+          <p:txBody>
+            <a:bodyPr rtlCol="0" anchor="ctr"/>
+            <a:lstStyle/>
+            <a:p>
+              <a:pPr algn="ctr"/>
+              <a:r>
+                <a:rPr lang="en-US" sz="800" dirty="0" smtClean="0"/>
+                <a:t>Win</a:t>
+              </a:r>
+              <a:endParaRPr lang="en-US" sz="800" dirty="0"/>
+            </a:p>
+          </p:txBody>
+        </p:sp>
+        <p:sp>
+          <p:nvSpPr>
+            <p:cNvPr id="28" name="Oval 27"/>
+            <p:cNvSpPr/>
+            <p:nvPr/>
+          </p:nvSpPr>
+          <p:spPr>
+            <a:xfrm>
+              <a:off x="6710852" y="2314179"/>
+              <a:ext cx="530181" cy="497032"/>
+            </a:xfrm>
+            <a:prstGeom prst="ellipse">
+              <a:avLst/>
+            </a:prstGeom>
+          </p:spPr>
+          <p:style>
+            <a:lnRef idx="2">
+              <a:schemeClr val="accent2">
+                <a:shade val="50000"/>
+              </a:schemeClr>
+            </a:lnRef>
+            <a:fillRef idx="1">
+              <a:schemeClr val="accent2"/>
+            </a:fillRef>
+            <a:effectRef idx="0">
+              <a:schemeClr val="accent2"/>
+            </a:effectRef>
+            <a:fontRef idx="minor">
+              <a:schemeClr val="lt1"/>
+            </a:fontRef>
+          </p:style>
+          <p:txBody>
+            <a:bodyPr rtlCol="0" anchor="ctr"/>
+            <a:lstStyle/>
+            <a:p>
+              <a:pPr algn="ctr"/>
+              <a:r>
+                <a:rPr lang="en-US" sz="800" dirty="0" smtClean="0"/>
+                <a:t>Lose</a:t>
+              </a:r>
+              <a:endParaRPr lang="en-US" sz="800" dirty="0"/>
+            </a:p>
+          </p:txBody>
+        </p:sp>
+        <p:cxnSp>
+          <p:nvCxnSpPr>
+            <p:cNvPr id="30" name="Straight Connector 29"/>
+            <p:cNvCxnSpPr/>
+            <p:nvPr/>
+          </p:nvCxnSpPr>
+          <p:spPr>
+            <a:xfrm>
+              <a:off x="6094958" y="2216480"/>
+              <a:ext cx="0" cy="310666"/>
+            </a:xfrm>
+            <a:prstGeom prst="line">
+              <a:avLst/>
+            </a:prstGeom>
+          </p:spPr>
+          <p:style>
+            <a:lnRef idx="2">
+              <a:schemeClr val="accent3"/>
+            </a:lnRef>
+            <a:fillRef idx="0">
+              <a:schemeClr val="accent3"/>
+            </a:fillRef>
+            <a:effectRef idx="1">
+              <a:schemeClr val="accent3"/>
+            </a:effectRef>
+            <a:fontRef idx="minor">
+              <a:schemeClr val="tx1"/>
+            </a:fontRef>
+          </p:style>
+        </p:cxnSp>
+        <p:cxnSp>
+          <p:nvCxnSpPr>
+            <p:cNvPr id="33" name="Straight Connector 32"/>
+            <p:cNvCxnSpPr/>
+            <p:nvPr/>
+          </p:nvCxnSpPr>
+          <p:spPr>
+            <a:xfrm>
+              <a:off x="6365675" y="2213554"/>
+              <a:ext cx="0" cy="310666"/>
+            </a:xfrm>
+            <a:prstGeom prst="line">
+              <a:avLst/>
+            </a:prstGeom>
+          </p:spPr>
+          <p:style>
+            <a:lnRef idx="2">
+              <a:schemeClr val="accent2"/>
+            </a:lnRef>
+            <a:fillRef idx="0">
+              <a:schemeClr val="accent2"/>
+            </a:fillRef>
+            <a:effectRef idx="1">
+              <a:schemeClr val="accent2"/>
+            </a:effectRef>
+            <a:fontRef idx="minor">
+              <a:schemeClr val="tx1"/>
+            </a:fontRef>
+          </p:style>
+        </p:cxnSp>
+        <p:cxnSp>
+          <p:nvCxnSpPr>
+            <p:cNvPr id="34" name="Straight Connector 33"/>
+            <p:cNvCxnSpPr/>
+            <p:nvPr/>
+          </p:nvCxnSpPr>
+          <p:spPr>
+            <a:xfrm>
+              <a:off x="5754115" y="2516332"/>
+              <a:ext cx="340843" cy="5446"/>
+            </a:xfrm>
+            <a:prstGeom prst="line">
+              <a:avLst/>
+            </a:prstGeom>
+          </p:spPr>
+          <p:style>
+            <a:lnRef idx="2">
+              <a:schemeClr val="accent3"/>
+            </a:lnRef>
+            <a:fillRef idx="0">
+              <a:schemeClr val="accent3"/>
+            </a:fillRef>
+            <a:effectRef idx="1">
+              <a:schemeClr val="accent3"/>
+            </a:effectRef>
+            <a:fontRef idx="minor">
+              <a:schemeClr val="tx1"/>
+            </a:fontRef>
+          </p:style>
+        </p:cxnSp>
+        <p:cxnSp>
+          <p:nvCxnSpPr>
+            <p:cNvPr id="39" name="Straight Connector 38"/>
+            <p:cNvCxnSpPr/>
+            <p:nvPr/>
+          </p:nvCxnSpPr>
+          <p:spPr>
+            <a:xfrm>
+              <a:off x="6343815" y="2524220"/>
+              <a:ext cx="367037" cy="0"/>
+            </a:xfrm>
+            <a:prstGeom prst="line">
+              <a:avLst/>
+            </a:prstGeom>
+          </p:spPr>
+          <p:style>
+            <a:lnRef idx="2">
+              <a:schemeClr val="accent2"/>
+            </a:lnRef>
+            <a:fillRef idx="0">
+              <a:schemeClr val="accent2"/>
+            </a:fillRef>
+            <a:effectRef idx="1">
+              <a:schemeClr val="accent2"/>
+            </a:effectRef>
+            <a:fontRef idx="minor">
+              <a:schemeClr val="tx1"/>
+            </a:fontRef>
+          </p:style>
+        </p:cxnSp>
+        <p:cxnSp>
+          <p:nvCxnSpPr>
+            <p:cNvPr id="44" name="Straight Connector 43"/>
+            <p:cNvCxnSpPr/>
+            <p:nvPr/>
+          </p:nvCxnSpPr>
+          <p:spPr>
+            <a:xfrm>
+              <a:off x="5732979" y="2668732"/>
+              <a:ext cx="525960" cy="0"/>
+            </a:xfrm>
+            <a:prstGeom prst="line">
+              <a:avLst/>
+            </a:prstGeom>
+          </p:spPr>
+          <p:style>
+            <a:lnRef idx="2">
+              <a:schemeClr val="accent3"/>
+            </a:lnRef>
+            <a:fillRef idx="0">
+              <a:schemeClr val="accent3"/>
+            </a:fillRef>
+            <a:effectRef idx="1">
+              <a:schemeClr val="accent3"/>
+            </a:effectRef>
+            <a:fontRef idx="minor">
+              <a:schemeClr val="tx1"/>
+            </a:fontRef>
+          </p:style>
+        </p:cxnSp>
+        <p:cxnSp>
+          <p:nvCxnSpPr>
+            <p:cNvPr id="48" name="Straight Connector 47"/>
+            <p:cNvCxnSpPr/>
+            <p:nvPr/>
+          </p:nvCxnSpPr>
+          <p:spPr>
+            <a:xfrm>
+              <a:off x="7241033" y="2534628"/>
+              <a:ext cx="648313" cy="0"/>
+            </a:xfrm>
+            <a:prstGeom prst="line">
+              <a:avLst/>
+            </a:prstGeom>
+          </p:spPr>
+          <p:style>
+            <a:lnRef idx="2">
+              <a:schemeClr val="accent2"/>
+            </a:lnRef>
+            <a:fillRef idx="0">
+              <a:schemeClr val="accent2"/>
+            </a:fillRef>
+            <a:effectRef idx="1">
+              <a:schemeClr val="accent2"/>
+            </a:effectRef>
+            <a:fontRef idx="minor">
+              <a:schemeClr val="tx1"/>
+            </a:fontRef>
+          </p:style>
+        </p:cxnSp>
+        <p:cxnSp>
+          <p:nvCxnSpPr>
+            <p:cNvPr id="51" name="Straight Connector 50"/>
+            <p:cNvCxnSpPr/>
+            <p:nvPr/>
+          </p:nvCxnSpPr>
+          <p:spPr>
+            <a:xfrm>
+              <a:off x="6263134" y="2660844"/>
+              <a:ext cx="0" cy="263504"/>
+            </a:xfrm>
+            <a:prstGeom prst="line">
+              <a:avLst/>
+            </a:prstGeom>
+          </p:spPr>
+          <p:style>
+            <a:lnRef idx="2">
+              <a:schemeClr val="accent3"/>
+            </a:lnRef>
+            <a:fillRef idx="0">
+              <a:schemeClr val="accent3"/>
+            </a:fillRef>
+            <a:effectRef idx="1">
+              <a:schemeClr val="accent3"/>
+            </a:effectRef>
+            <a:fontRef idx="minor">
+              <a:schemeClr val="tx1"/>
+            </a:fontRef>
+          </p:style>
+        </p:cxnSp>
+        <p:sp>
+          <p:nvSpPr>
+            <p:cNvPr id="53" name="Oval 52"/>
+            <p:cNvSpPr/>
+            <p:nvPr/>
+          </p:nvSpPr>
+          <p:spPr>
+            <a:xfrm>
+              <a:off x="5224936" y="3309485"/>
+              <a:ext cx="530181" cy="497032"/>
+            </a:xfrm>
+            <a:prstGeom prst="ellipse">
+              <a:avLst/>
+            </a:prstGeom>
+          </p:spPr>
+          <p:style>
+            <a:lnRef idx="2">
+              <a:schemeClr val="accent3">
+                <a:shade val="50000"/>
+              </a:schemeClr>
+            </a:lnRef>
+            <a:fillRef idx="1">
+              <a:schemeClr val="accent3"/>
+            </a:fillRef>
+            <a:effectRef idx="0">
+              <a:schemeClr val="accent3"/>
+            </a:effectRef>
+            <a:fontRef idx="minor">
+              <a:schemeClr val="lt1"/>
+            </a:fontRef>
+          </p:style>
+          <p:txBody>
+            <a:bodyPr rtlCol="0" anchor="ctr"/>
+            <a:lstStyle/>
+            <a:p>
+              <a:pPr algn="ctr"/>
+              <a:r>
+                <a:rPr lang="en-US" sz="800" dirty="0" smtClean="0"/>
+                <a:t>Win</a:t>
+              </a:r>
+              <a:endParaRPr lang="en-US" sz="800" dirty="0"/>
+            </a:p>
+          </p:txBody>
+        </p:sp>
+        <p:sp>
+          <p:nvSpPr>
+            <p:cNvPr id="54" name="Oval 53"/>
+            <p:cNvSpPr/>
+            <p:nvPr/>
+          </p:nvSpPr>
+          <p:spPr>
+            <a:xfrm>
+              <a:off x="6717949" y="3291259"/>
+              <a:ext cx="530181" cy="497032"/>
+            </a:xfrm>
+            <a:prstGeom prst="ellipse">
+              <a:avLst/>
+            </a:prstGeom>
+          </p:spPr>
+          <p:style>
+            <a:lnRef idx="2">
+              <a:schemeClr val="accent2">
+                <a:shade val="50000"/>
+              </a:schemeClr>
+            </a:lnRef>
+            <a:fillRef idx="1">
+              <a:schemeClr val="accent2"/>
+            </a:fillRef>
+            <a:effectRef idx="0">
+              <a:schemeClr val="accent2"/>
+            </a:effectRef>
+            <a:fontRef idx="minor">
+              <a:schemeClr val="lt1"/>
+            </a:fontRef>
+          </p:style>
+          <p:txBody>
+            <a:bodyPr rtlCol="0" anchor="ctr"/>
+            <a:lstStyle/>
+            <a:p>
+              <a:pPr algn="ctr"/>
+              <a:r>
+                <a:rPr lang="en-US" sz="800" dirty="0" smtClean="0"/>
+                <a:t>Lose</a:t>
+              </a:r>
+              <a:endParaRPr lang="en-US" sz="800" dirty="0"/>
+            </a:p>
+          </p:txBody>
+        </p:sp>
+        <p:cxnSp>
+          <p:nvCxnSpPr>
+            <p:cNvPr id="55" name="Straight Connector 54"/>
+            <p:cNvCxnSpPr/>
+            <p:nvPr/>
+          </p:nvCxnSpPr>
+          <p:spPr>
+            <a:xfrm>
+              <a:off x="6102055" y="3193560"/>
+              <a:ext cx="0" cy="310666"/>
+            </a:xfrm>
+            <a:prstGeom prst="line">
+              <a:avLst/>
+            </a:prstGeom>
+          </p:spPr>
+          <p:style>
+            <a:lnRef idx="2">
+              <a:schemeClr val="accent3"/>
+            </a:lnRef>
+            <a:fillRef idx="0">
+              <a:schemeClr val="accent3"/>
+            </a:fillRef>
+            <a:effectRef idx="1">
+              <a:schemeClr val="accent3"/>
+            </a:effectRef>
+            <a:fontRef idx="minor">
+              <a:schemeClr val="tx1"/>
+            </a:fontRef>
+          </p:style>
+        </p:cxnSp>
+        <p:cxnSp>
+          <p:nvCxnSpPr>
+            <p:cNvPr id="56" name="Straight Connector 55"/>
+            <p:cNvCxnSpPr/>
+            <p:nvPr/>
+          </p:nvCxnSpPr>
+          <p:spPr>
+            <a:xfrm>
+              <a:off x="6372772" y="3190634"/>
+              <a:ext cx="0" cy="310666"/>
+            </a:xfrm>
+            <a:prstGeom prst="line">
+              <a:avLst/>
+            </a:prstGeom>
+          </p:spPr>
+          <p:style>
+            <a:lnRef idx="2">
+              <a:schemeClr val="accent2"/>
+            </a:lnRef>
+            <a:fillRef idx="0">
+              <a:schemeClr val="accent2"/>
+            </a:fillRef>
+            <a:effectRef idx="1">
+              <a:schemeClr val="accent2"/>
+            </a:effectRef>
+            <a:fontRef idx="minor">
+              <a:schemeClr val="tx1"/>
+            </a:fontRef>
+          </p:style>
+        </p:cxnSp>
+        <p:cxnSp>
+          <p:nvCxnSpPr>
+            <p:cNvPr id="57" name="Straight Connector 56"/>
+            <p:cNvCxnSpPr/>
+            <p:nvPr/>
+          </p:nvCxnSpPr>
+          <p:spPr>
+            <a:xfrm>
+              <a:off x="5761212" y="3493412"/>
+              <a:ext cx="340843" cy="5446"/>
+            </a:xfrm>
+            <a:prstGeom prst="line">
+              <a:avLst/>
+            </a:prstGeom>
+          </p:spPr>
+          <p:style>
+            <a:lnRef idx="2">
+              <a:schemeClr val="accent3"/>
+            </a:lnRef>
+            <a:fillRef idx="0">
+              <a:schemeClr val="accent3"/>
+            </a:fillRef>
+            <a:effectRef idx="1">
+              <a:schemeClr val="accent3"/>
+            </a:effectRef>
+            <a:fontRef idx="minor">
+              <a:schemeClr val="tx1"/>
+            </a:fontRef>
+          </p:style>
+        </p:cxnSp>
+        <p:cxnSp>
+          <p:nvCxnSpPr>
+            <p:cNvPr id="58" name="Straight Connector 57"/>
+            <p:cNvCxnSpPr/>
+            <p:nvPr/>
+          </p:nvCxnSpPr>
+          <p:spPr>
+            <a:xfrm>
+              <a:off x="6350912" y="3501300"/>
+              <a:ext cx="367037" cy="0"/>
+            </a:xfrm>
+            <a:prstGeom prst="line">
+              <a:avLst/>
+            </a:prstGeom>
+          </p:spPr>
+          <p:style>
+            <a:lnRef idx="2">
+              <a:schemeClr val="accent2"/>
+            </a:lnRef>
+            <a:fillRef idx="0">
+              <a:schemeClr val="accent2"/>
+            </a:fillRef>
+            <a:effectRef idx="1">
+              <a:schemeClr val="accent2"/>
+            </a:effectRef>
+            <a:fontRef idx="minor">
+              <a:schemeClr val="tx1"/>
+            </a:fontRef>
+          </p:style>
+        </p:cxnSp>
+        <p:cxnSp>
+          <p:nvCxnSpPr>
+            <p:cNvPr id="59" name="Straight Connector 58"/>
+            <p:cNvCxnSpPr/>
+            <p:nvPr/>
+          </p:nvCxnSpPr>
+          <p:spPr>
+            <a:xfrm>
+              <a:off x="5740076" y="3645812"/>
+              <a:ext cx="525960" cy="0"/>
+            </a:xfrm>
+            <a:prstGeom prst="line">
+              <a:avLst/>
+            </a:prstGeom>
+          </p:spPr>
+          <p:style>
+            <a:lnRef idx="2">
+              <a:schemeClr val="accent3"/>
+            </a:lnRef>
+            <a:fillRef idx="0">
+              <a:schemeClr val="accent3"/>
+            </a:fillRef>
+            <a:effectRef idx="1">
+              <a:schemeClr val="accent3"/>
+            </a:effectRef>
+            <a:fontRef idx="minor">
+              <a:schemeClr val="tx1"/>
+            </a:fontRef>
+          </p:style>
+        </p:cxnSp>
+        <p:cxnSp>
+          <p:nvCxnSpPr>
+            <p:cNvPr id="60" name="Straight Connector 59"/>
+            <p:cNvCxnSpPr/>
+            <p:nvPr/>
+          </p:nvCxnSpPr>
+          <p:spPr>
+            <a:xfrm>
+              <a:off x="6270231" y="3637924"/>
+              <a:ext cx="0" cy="263504"/>
+            </a:xfrm>
+            <a:prstGeom prst="line">
+              <a:avLst/>
+            </a:prstGeom>
+          </p:spPr>
+          <p:style>
+            <a:lnRef idx="2">
+              <a:schemeClr val="accent3"/>
+            </a:lnRef>
+            <a:fillRef idx="0">
+              <a:schemeClr val="accent3"/>
+            </a:fillRef>
+            <a:effectRef idx="1">
+              <a:schemeClr val="accent3"/>
+            </a:effectRef>
+            <a:fontRef idx="minor">
+              <a:schemeClr val="tx1"/>
+            </a:fontRef>
+          </p:style>
+        </p:cxnSp>
+        <p:sp>
+          <p:nvSpPr>
+            <p:cNvPr id="61" name="Oval 60"/>
+            <p:cNvSpPr/>
+            <p:nvPr/>
+          </p:nvSpPr>
+          <p:spPr>
+            <a:xfrm>
+              <a:off x="5237713" y="4299143"/>
+              <a:ext cx="530181" cy="497032"/>
+            </a:xfrm>
+            <a:prstGeom prst="ellipse">
+              <a:avLst/>
+            </a:prstGeom>
+          </p:spPr>
+          <p:style>
+            <a:lnRef idx="2">
+              <a:schemeClr val="accent3">
+                <a:shade val="50000"/>
+              </a:schemeClr>
+            </a:lnRef>
+            <a:fillRef idx="1">
+              <a:schemeClr val="accent3"/>
+            </a:fillRef>
+            <a:effectRef idx="0">
+              <a:schemeClr val="accent3"/>
+            </a:effectRef>
+            <a:fontRef idx="minor">
+              <a:schemeClr val="lt1"/>
+            </a:fontRef>
+          </p:style>
+          <p:txBody>
+            <a:bodyPr rtlCol="0" anchor="ctr"/>
+            <a:lstStyle/>
+            <a:p>
+              <a:pPr algn="ctr"/>
+              <a:r>
+                <a:rPr lang="en-US" sz="800" dirty="0" smtClean="0"/>
+                <a:t>Win</a:t>
+              </a:r>
+              <a:endParaRPr lang="en-US" sz="800" dirty="0"/>
+            </a:p>
+          </p:txBody>
+        </p:sp>
+        <p:sp>
+          <p:nvSpPr>
+            <p:cNvPr id="62" name="Oval 61"/>
+            <p:cNvSpPr/>
+            <p:nvPr/>
+          </p:nvSpPr>
+          <p:spPr>
+            <a:xfrm>
+              <a:off x="6730726" y="4280917"/>
+              <a:ext cx="530181" cy="497032"/>
+            </a:xfrm>
+            <a:prstGeom prst="ellipse">
+              <a:avLst/>
+            </a:prstGeom>
+          </p:spPr>
+          <p:style>
+            <a:lnRef idx="2">
+              <a:schemeClr val="accent2">
+                <a:shade val="50000"/>
+              </a:schemeClr>
+            </a:lnRef>
+            <a:fillRef idx="1">
+              <a:schemeClr val="accent2"/>
+            </a:fillRef>
+            <a:effectRef idx="0">
+              <a:schemeClr val="accent2"/>
+            </a:effectRef>
+            <a:fontRef idx="minor">
+              <a:schemeClr val="lt1"/>
+            </a:fontRef>
+          </p:style>
+          <p:txBody>
+            <a:bodyPr rtlCol="0" anchor="ctr"/>
+            <a:lstStyle/>
+            <a:p>
+              <a:pPr algn="ctr"/>
+              <a:r>
+                <a:rPr lang="en-US" sz="800" dirty="0" smtClean="0"/>
+                <a:t>Lose</a:t>
+              </a:r>
+              <a:endParaRPr lang="en-US" sz="800" dirty="0"/>
+            </a:p>
+          </p:txBody>
+        </p:sp>
+        <p:cxnSp>
+          <p:nvCxnSpPr>
+            <p:cNvPr id="63" name="Straight Connector 62"/>
+            <p:cNvCxnSpPr/>
+            <p:nvPr/>
+          </p:nvCxnSpPr>
+          <p:spPr>
+            <a:xfrm>
+              <a:off x="6114832" y="4183218"/>
+              <a:ext cx="0" cy="310666"/>
+            </a:xfrm>
+            <a:prstGeom prst="line">
+              <a:avLst/>
+            </a:prstGeom>
+          </p:spPr>
+          <p:style>
+            <a:lnRef idx="2">
+              <a:schemeClr val="accent3"/>
+            </a:lnRef>
+            <a:fillRef idx="0">
+              <a:schemeClr val="accent3"/>
+            </a:fillRef>
+            <a:effectRef idx="1">
+              <a:schemeClr val="accent3"/>
+            </a:effectRef>
+            <a:fontRef idx="minor">
+              <a:schemeClr val="tx1"/>
+            </a:fontRef>
+          </p:style>
+        </p:cxnSp>
+        <p:cxnSp>
+          <p:nvCxnSpPr>
+            <p:cNvPr id="64" name="Straight Connector 63"/>
+            <p:cNvCxnSpPr/>
+            <p:nvPr/>
+          </p:nvCxnSpPr>
+          <p:spPr>
+            <a:xfrm>
+              <a:off x="6385549" y="4180292"/>
+              <a:ext cx="0" cy="310666"/>
+            </a:xfrm>
+            <a:prstGeom prst="line">
+              <a:avLst/>
+            </a:prstGeom>
+          </p:spPr>
+          <p:style>
+            <a:lnRef idx="2">
+              <a:schemeClr val="accent2"/>
+            </a:lnRef>
+            <a:fillRef idx="0">
+              <a:schemeClr val="accent2"/>
+            </a:fillRef>
+            <a:effectRef idx="1">
+              <a:schemeClr val="accent2"/>
+            </a:effectRef>
+            <a:fontRef idx="minor">
+              <a:schemeClr val="tx1"/>
+            </a:fontRef>
+          </p:style>
+        </p:cxnSp>
+        <p:cxnSp>
+          <p:nvCxnSpPr>
+            <p:cNvPr id="65" name="Straight Connector 64"/>
+            <p:cNvCxnSpPr/>
+            <p:nvPr/>
+          </p:nvCxnSpPr>
+          <p:spPr>
+            <a:xfrm>
+              <a:off x="5773989" y="4483070"/>
+              <a:ext cx="340843" cy="5446"/>
+            </a:xfrm>
+            <a:prstGeom prst="line">
+              <a:avLst/>
+            </a:prstGeom>
+          </p:spPr>
+          <p:style>
+            <a:lnRef idx="2">
+              <a:schemeClr val="accent3"/>
+            </a:lnRef>
+            <a:fillRef idx="0">
+              <a:schemeClr val="accent3"/>
+            </a:fillRef>
+            <a:effectRef idx="1">
+              <a:schemeClr val="accent3"/>
+            </a:effectRef>
+            <a:fontRef idx="minor">
+              <a:schemeClr val="tx1"/>
+            </a:fontRef>
+          </p:style>
+        </p:cxnSp>
+        <p:cxnSp>
+          <p:nvCxnSpPr>
+            <p:cNvPr id="66" name="Straight Connector 65"/>
+            <p:cNvCxnSpPr/>
+            <p:nvPr/>
+          </p:nvCxnSpPr>
+          <p:spPr>
+            <a:xfrm>
+              <a:off x="6363689" y="4490958"/>
+              <a:ext cx="367037" cy="0"/>
+            </a:xfrm>
+            <a:prstGeom prst="line">
+              <a:avLst/>
+            </a:prstGeom>
+          </p:spPr>
+          <p:style>
+            <a:lnRef idx="2">
+              <a:schemeClr val="accent2"/>
+            </a:lnRef>
+            <a:fillRef idx="0">
+              <a:schemeClr val="accent2"/>
+            </a:fillRef>
+            <a:effectRef idx="1">
+              <a:schemeClr val="accent2"/>
+            </a:effectRef>
+            <a:fontRef idx="minor">
+              <a:schemeClr val="tx1"/>
+            </a:fontRef>
+          </p:style>
+        </p:cxnSp>
+        <p:cxnSp>
+          <p:nvCxnSpPr>
+            <p:cNvPr id="67" name="Straight Connector 66"/>
+            <p:cNvCxnSpPr/>
+            <p:nvPr/>
+          </p:nvCxnSpPr>
+          <p:spPr>
+            <a:xfrm>
+              <a:off x="5752853" y="4635470"/>
+              <a:ext cx="525960" cy="0"/>
+            </a:xfrm>
+            <a:prstGeom prst="line">
+              <a:avLst/>
+            </a:prstGeom>
+          </p:spPr>
+          <p:style>
+            <a:lnRef idx="2">
+              <a:schemeClr val="accent3"/>
+            </a:lnRef>
+            <a:fillRef idx="0">
+              <a:schemeClr val="accent3"/>
+            </a:fillRef>
+            <a:effectRef idx="1">
+              <a:schemeClr val="accent3"/>
+            </a:effectRef>
+            <a:fontRef idx="minor">
+              <a:schemeClr val="tx1"/>
+            </a:fontRef>
+          </p:style>
+        </p:cxnSp>
+        <p:cxnSp>
+          <p:nvCxnSpPr>
+            <p:cNvPr id="68" name="Straight Connector 67"/>
+            <p:cNvCxnSpPr/>
+            <p:nvPr/>
+          </p:nvCxnSpPr>
+          <p:spPr>
+            <a:xfrm>
+              <a:off x="6283008" y="4627582"/>
+              <a:ext cx="0" cy="263504"/>
+            </a:xfrm>
+            <a:prstGeom prst="line">
+              <a:avLst/>
+            </a:prstGeom>
+          </p:spPr>
+          <p:style>
+            <a:lnRef idx="2">
+              <a:schemeClr val="accent3"/>
+            </a:lnRef>
+            <a:fillRef idx="0">
+              <a:schemeClr val="accent3"/>
+            </a:fillRef>
+            <a:effectRef idx="1">
+              <a:schemeClr val="accent3"/>
+            </a:effectRef>
+            <a:fontRef idx="minor">
+              <a:schemeClr val="tx1"/>
+            </a:fontRef>
+          </p:style>
+        </p:cxnSp>
+        <p:sp>
+          <p:nvSpPr>
+            <p:cNvPr id="69" name="Oval 68"/>
+            <p:cNvSpPr/>
+            <p:nvPr/>
+          </p:nvSpPr>
+          <p:spPr>
+            <a:xfrm>
+              <a:off x="5258378" y="5285196"/>
+              <a:ext cx="530181" cy="497032"/>
+            </a:xfrm>
+            <a:prstGeom prst="ellipse">
+              <a:avLst/>
+            </a:prstGeom>
+          </p:spPr>
+          <p:style>
+            <a:lnRef idx="2">
+              <a:schemeClr val="accent3">
+                <a:shade val="50000"/>
+              </a:schemeClr>
+            </a:lnRef>
+            <a:fillRef idx="1">
+              <a:schemeClr val="accent3"/>
+            </a:fillRef>
+            <a:effectRef idx="0">
+              <a:schemeClr val="accent3"/>
+            </a:effectRef>
+            <a:fontRef idx="minor">
+              <a:schemeClr val="lt1"/>
+            </a:fontRef>
+          </p:style>
+          <p:txBody>
+            <a:bodyPr rtlCol="0" anchor="ctr"/>
+            <a:lstStyle/>
+            <a:p>
+              <a:pPr algn="ctr"/>
+              <a:r>
+                <a:rPr lang="en-US" sz="800" dirty="0" smtClean="0"/>
+                <a:t>Win</a:t>
+              </a:r>
+              <a:endParaRPr lang="en-US" sz="800" dirty="0"/>
+            </a:p>
+          </p:txBody>
+        </p:sp>
+        <p:sp>
+          <p:nvSpPr>
+            <p:cNvPr id="70" name="Oval 69"/>
+            <p:cNvSpPr/>
+            <p:nvPr/>
+          </p:nvSpPr>
+          <p:spPr>
+            <a:xfrm>
+              <a:off x="6751391" y="5266970"/>
+              <a:ext cx="530181" cy="497032"/>
+            </a:xfrm>
+            <a:prstGeom prst="ellipse">
+              <a:avLst/>
+            </a:prstGeom>
+          </p:spPr>
+          <p:style>
+            <a:lnRef idx="2">
+              <a:schemeClr val="accent2">
+                <a:shade val="50000"/>
+              </a:schemeClr>
+            </a:lnRef>
+            <a:fillRef idx="1">
+              <a:schemeClr val="accent2"/>
+            </a:fillRef>
+            <a:effectRef idx="0">
+              <a:schemeClr val="accent2"/>
+            </a:effectRef>
+            <a:fontRef idx="minor">
+              <a:schemeClr val="lt1"/>
+            </a:fontRef>
+          </p:style>
+          <p:txBody>
+            <a:bodyPr rtlCol="0" anchor="ctr"/>
+            <a:lstStyle/>
+            <a:p>
+              <a:pPr algn="ctr"/>
+              <a:r>
+                <a:rPr lang="en-US" sz="800" dirty="0" smtClean="0"/>
+                <a:t>Lose</a:t>
+              </a:r>
+              <a:endParaRPr lang="en-US" sz="800" dirty="0"/>
+            </a:p>
+          </p:txBody>
+        </p:sp>
+        <p:cxnSp>
+          <p:nvCxnSpPr>
+            <p:cNvPr id="71" name="Straight Connector 70"/>
+            <p:cNvCxnSpPr/>
+            <p:nvPr/>
+          </p:nvCxnSpPr>
+          <p:spPr>
+            <a:xfrm>
+              <a:off x="6135497" y="5169271"/>
+              <a:ext cx="0" cy="310666"/>
+            </a:xfrm>
+            <a:prstGeom prst="line">
+              <a:avLst/>
+            </a:prstGeom>
+          </p:spPr>
+          <p:style>
+            <a:lnRef idx="2">
+              <a:schemeClr val="accent3"/>
+            </a:lnRef>
+            <a:fillRef idx="0">
+              <a:schemeClr val="accent3"/>
+            </a:fillRef>
+            <a:effectRef idx="1">
+              <a:schemeClr val="accent3"/>
+            </a:effectRef>
+            <a:fontRef idx="minor">
+              <a:schemeClr val="tx1"/>
+            </a:fontRef>
+          </p:style>
+        </p:cxnSp>
+        <p:cxnSp>
+          <p:nvCxnSpPr>
+            <p:cNvPr id="72" name="Straight Connector 71"/>
+            <p:cNvCxnSpPr/>
+            <p:nvPr/>
+          </p:nvCxnSpPr>
+          <p:spPr>
+            <a:xfrm>
+              <a:off x="6406214" y="5166345"/>
+              <a:ext cx="0" cy="310666"/>
+            </a:xfrm>
+            <a:prstGeom prst="line">
+              <a:avLst/>
+            </a:prstGeom>
+          </p:spPr>
+          <p:style>
+            <a:lnRef idx="2">
+              <a:schemeClr val="accent2"/>
+            </a:lnRef>
+            <a:fillRef idx="0">
+              <a:schemeClr val="accent2"/>
+            </a:fillRef>
+            <a:effectRef idx="1">
+              <a:schemeClr val="accent2"/>
+            </a:effectRef>
+            <a:fontRef idx="minor">
+              <a:schemeClr val="tx1"/>
+            </a:fontRef>
+          </p:style>
+        </p:cxnSp>
+        <p:cxnSp>
+          <p:nvCxnSpPr>
+            <p:cNvPr id="73" name="Straight Connector 72"/>
+            <p:cNvCxnSpPr/>
+            <p:nvPr/>
+          </p:nvCxnSpPr>
+          <p:spPr>
+            <a:xfrm>
+              <a:off x="5794654" y="5469123"/>
+              <a:ext cx="340843" cy="5446"/>
+            </a:xfrm>
+            <a:prstGeom prst="line">
+              <a:avLst/>
+            </a:prstGeom>
+          </p:spPr>
+          <p:style>
+            <a:lnRef idx="2">
+              <a:schemeClr val="accent3"/>
+            </a:lnRef>
+            <a:fillRef idx="0">
+              <a:schemeClr val="accent3"/>
+            </a:fillRef>
+            <a:effectRef idx="1">
+              <a:schemeClr val="accent3"/>
+            </a:effectRef>
+            <a:fontRef idx="minor">
+              <a:schemeClr val="tx1"/>
+            </a:fontRef>
+          </p:style>
+        </p:cxnSp>
+        <p:cxnSp>
+          <p:nvCxnSpPr>
+            <p:cNvPr id="74" name="Straight Connector 73"/>
+            <p:cNvCxnSpPr/>
+            <p:nvPr/>
+          </p:nvCxnSpPr>
+          <p:spPr>
+            <a:xfrm>
+              <a:off x="6384354" y="5477011"/>
+              <a:ext cx="367037" cy="0"/>
+            </a:xfrm>
+            <a:prstGeom prst="line">
+              <a:avLst/>
+            </a:prstGeom>
+          </p:spPr>
+          <p:style>
+            <a:lnRef idx="2">
+              <a:schemeClr val="accent2"/>
+            </a:lnRef>
+            <a:fillRef idx="0">
+              <a:schemeClr val="accent2"/>
+            </a:fillRef>
+            <a:effectRef idx="1">
+              <a:schemeClr val="accent2"/>
+            </a:effectRef>
+            <a:fontRef idx="minor">
+              <a:schemeClr val="tx1"/>
+            </a:fontRef>
+          </p:style>
+        </p:cxnSp>
+        <p:cxnSp>
+          <p:nvCxnSpPr>
+            <p:cNvPr id="75" name="Straight Connector 74"/>
+            <p:cNvCxnSpPr/>
+            <p:nvPr/>
+          </p:nvCxnSpPr>
+          <p:spPr>
+            <a:xfrm>
+              <a:off x="5773518" y="5621523"/>
+              <a:ext cx="525960" cy="0"/>
+            </a:xfrm>
+            <a:prstGeom prst="line">
+              <a:avLst/>
+            </a:prstGeom>
+          </p:spPr>
+          <p:style>
+            <a:lnRef idx="2">
+              <a:schemeClr val="accent3"/>
+            </a:lnRef>
+            <a:fillRef idx="0">
+              <a:schemeClr val="accent3"/>
+            </a:fillRef>
+            <a:effectRef idx="1">
+              <a:schemeClr val="accent3"/>
+            </a:effectRef>
+            <a:fontRef idx="minor">
+              <a:schemeClr val="tx1"/>
+            </a:fontRef>
+          </p:style>
+        </p:cxnSp>
+        <p:cxnSp>
+          <p:nvCxnSpPr>
+            <p:cNvPr id="76" name="Straight Connector 75"/>
+            <p:cNvCxnSpPr/>
+            <p:nvPr/>
+          </p:nvCxnSpPr>
+          <p:spPr>
+            <a:xfrm>
+              <a:off x="6303673" y="5613635"/>
+              <a:ext cx="0" cy="263504"/>
+            </a:xfrm>
+            <a:prstGeom prst="line">
+              <a:avLst/>
+            </a:prstGeom>
+          </p:spPr>
+          <p:style>
+            <a:lnRef idx="2">
+              <a:schemeClr val="accent3"/>
+            </a:lnRef>
+            <a:fillRef idx="0">
+              <a:schemeClr val="accent3"/>
+            </a:fillRef>
+            <a:effectRef idx="1">
+              <a:schemeClr val="accent3"/>
+            </a:effectRef>
+            <a:fontRef idx="minor">
+              <a:schemeClr val="tx1"/>
+            </a:fontRef>
+          </p:style>
+        </p:cxnSp>
+        <p:cxnSp>
+          <p:nvCxnSpPr>
+            <p:cNvPr id="78" name="Straight Connector 77"/>
+            <p:cNvCxnSpPr/>
+            <p:nvPr/>
+          </p:nvCxnSpPr>
+          <p:spPr>
+            <a:xfrm flipV="1">
+              <a:off x="7281572" y="5469123"/>
+              <a:ext cx="607774" cy="10814"/>
+            </a:xfrm>
+            <a:prstGeom prst="line">
+              <a:avLst/>
+            </a:prstGeom>
+          </p:spPr>
+          <p:style>
+            <a:lnRef idx="2">
+              <a:schemeClr val="accent2"/>
+            </a:lnRef>
+            <a:fillRef idx="0">
+              <a:schemeClr val="accent2"/>
+            </a:fillRef>
+            <a:effectRef idx="1">
+              <a:schemeClr val="accent2"/>
+            </a:effectRef>
+            <a:fontRef idx="minor">
+              <a:schemeClr val="tx1"/>
+            </a:fontRef>
+          </p:style>
+        </p:cxnSp>
+        <p:cxnSp>
+          <p:nvCxnSpPr>
+            <p:cNvPr id="80" name="Straight Connector 79"/>
+            <p:cNvCxnSpPr/>
+            <p:nvPr/>
+          </p:nvCxnSpPr>
+          <p:spPr>
+            <a:xfrm flipV="1">
+              <a:off x="7281572" y="4485551"/>
+              <a:ext cx="607774" cy="10814"/>
+            </a:xfrm>
+            <a:prstGeom prst="line">
+              <a:avLst/>
+            </a:prstGeom>
+          </p:spPr>
+          <p:style>
+            <a:lnRef idx="2">
+              <a:schemeClr val="accent2"/>
+            </a:lnRef>
+            <a:fillRef idx="0">
+              <a:schemeClr val="accent2"/>
+            </a:fillRef>
+            <a:effectRef idx="1">
+              <a:schemeClr val="accent2"/>
+            </a:effectRef>
+            <a:fontRef idx="minor">
+              <a:schemeClr val="tx1"/>
+            </a:fontRef>
+          </p:style>
+        </p:cxnSp>
+        <p:cxnSp>
+          <p:nvCxnSpPr>
+            <p:cNvPr id="81" name="Straight Connector 80"/>
+            <p:cNvCxnSpPr/>
+            <p:nvPr/>
+          </p:nvCxnSpPr>
+          <p:spPr>
+            <a:xfrm flipV="1">
+              <a:off x="7248130" y="3498858"/>
+              <a:ext cx="641216" cy="10814"/>
+            </a:xfrm>
+            <a:prstGeom prst="line">
+              <a:avLst/>
+            </a:prstGeom>
+          </p:spPr>
+          <p:style>
+            <a:lnRef idx="2">
+              <a:schemeClr val="accent2"/>
+            </a:lnRef>
+            <a:fillRef idx="0">
+              <a:schemeClr val="accent2"/>
+            </a:fillRef>
+            <a:effectRef idx="1">
+              <a:schemeClr val="accent2"/>
+            </a:effectRef>
+            <a:fontRef idx="minor">
+              <a:schemeClr val="tx1"/>
+            </a:fontRef>
+          </p:style>
+        </p:cxnSp>
+        <p:cxnSp>
+          <p:nvCxnSpPr>
+            <p:cNvPr id="83" name="Straight Connector 82"/>
+            <p:cNvCxnSpPr/>
+            <p:nvPr/>
+          </p:nvCxnSpPr>
+          <p:spPr>
+            <a:xfrm flipH="1">
+              <a:off x="7016172" y="2034459"/>
+              <a:ext cx="865286" cy="2431"/>
+            </a:xfrm>
+            <a:prstGeom prst="line">
+              <a:avLst/>
+            </a:prstGeom>
+          </p:spPr>
+          <p:style>
+            <a:lnRef idx="2">
+              <a:schemeClr val="dk1"/>
+            </a:lnRef>
+            <a:fillRef idx="0">
+              <a:schemeClr val="dk1"/>
+            </a:fillRef>
+            <a:effectRef idx="1">
+              <a:schemeClr val="dk1"/>
+            </a:effectRef>
+            <a:fontRef idx="minor">
+              <a:schemeClr val="tx1"/>
+            </a:fontRef>
+          </p:style>
+        </p:cxnSp>
+      </p:grpSp>
     </p:spTree>
     <p:extLst>
       <p:ext uri="{BB962C8B-B14F-4D97-AF65-F5344CB8AC3E}">
@@ -3450,6 +4886,13 @@
   <p:clrMapOvr>
     <a:masterClrMapping/>
   </p:clrMapOvr>
+  <p:timing>
+    <p:tnLst>
+      <p:par>
+        <p:cTn xmlns:p14="http://schemas.microsoft.com/office/powerpoint/2010/main" id="1" dur="indefinite" restart="never" nodeType="tmRoot"/>
+      </p:par>
+    </p:tnLst>
+  </p:timing>
 </p:sld>
 </file>
 
@@ -5161,6 +6604,13 @@
   <p:clrMapOvr>
     <a:masterClrMapping/>
   </p:clrMapOvr>
+  <p:timing>
+    <p:tnLst>
+      <p:par>
+        <p:cTn xmlns:p14="http://schemas.microsoft.com/office/powerpoint/2010/main" id="1" dur="indefinite" restart="never" nodeType="tmRoot"/>
+      </p:par>
+    </p:tnLst>
+  </p:timing>
 </p:sld>
 </file>
 

--- a/Flowcharts and Wireframes.pptx
+++ b/Flowcharts and Wireframes.pptx
@@ -5,8 +5,8 @@
     <p:sldMasterId id="2147483648" r:id="rId1"/>
   </p:sldMasterIdLst>
   <p:sldIdLst>
-    <p:sldId id="256" r:id="rId2"/>
-    <p:sldId id="257" r:id="rId3"/>
+    <p:sldId id="257" r:id="rId2"/>
+    <p:sldId id="256" r:id="rId3"/>
   </p:sldIdLst>
   <p:sldSz cx="9144000" cy="6858000" type="screen4x3"/>
   <p:notesSz cx="6858000" cy="9144000"/>
@@ -3080,6 +3080,1724 @@
 </file>
 
 <file path=ppt/slides/slide1.xml><?xml version="1.0" encoding="utf-8"?>
+<p:sld xmlns:a="http://schemas.openxmlformats.org/drawingml/2006/main" xmlns:r="http://schemas.openxmlformats.org/officeDocument/2006/relationships" xmlns:p="http://schemas.openxmlformats.org/presentationml/2006/main">
+  <p:cSld>
+    <p:spTree>
+      <p:nvGrpSpPr>
+        <p:cNvPr id="1" name=""/>
+        <p:cNvGrpSpPr/>
+        <p:nvPr/>
+      </p:nvGrpSpPr>
+      <p:grpSpPr>
+        <a:xfrm>
+          <a:off x="0" y="0"/>
+          <a:ext cx="0" cy="0"/>
+          <a:chOff x="0" y="0"/>
+          <a:chExt cx="0" cy="0"/>
+        </a:xfrm>
+      </p:grpSpPr>
+      <p:sp>
+        <p:nvSpPr>
+          <p:cNvPr id="26" name="Rectangle 25"/>
+          <p:cNvSpPr/>
+          <p:nvPr/>
+        </p:nvSpPr>
+        <p:spPr>
+          <a:xfrm>
+            <a:off x="341914" y="751145"/>
+            <a:ext cx="8450003" cy="5712062"/>
+          </a:xfrm>
+          <a:prstGeom prst="rect">
+            <a:avLst/>
+          </a:prstGeom>
+          <a:solidFill>
+            <a:schemeClr val="bg1">
+              <a:lumMod val="85000"/>
+              <a:alpha val="23000"/>
+            </a:schemeClr>
+          </a:solidFill>
+          <a:ln>
+            <a:noFill/>
+          </a:ln>
+        </p:spPr>
+        <p:style>
+          <a:lnRef idx="1">
+            <a:schemeClr val="accent1"/>
+          </a:lnRef>
+          <a:fillRef idx="3">
+            <a:schemeClr val="accent1"/>
+          </a:fillRef>
+          <a:effectRef idx="2">
+            <a:schemeClr val="accent1"/>
+          </a:effectRef>
+          <a:fontRef idx="minor">
+            <a:schemeClr val="lt1"/>
+          </a:fontRef>
+        </p:style>
+        <p:txBody>
+          <a:bodyPr rtlCol="0" anchor="ctr"/>
+          <a:lstStyle/>
+          <a:p>
+            <a:pPr algn="ctr"/>
+            <a:endParaRPr lang="en-US"/>
+          </a:p>
+        </p:txBody>
+      </p:sp>
+      <p:sp>
+        <p:nvSpPr>
+          <p:cNvPr id="4" name="TextBox 3"/>
+          <p:cNvSpPr txBox="1"/>
+          <p:nvPr/>
+        </p:nvSpPr>
+        <p:spPr>
+          <a:xfrm>
+            <a:off x="358195" y="211645"/>
+            <a:ext cx="2767825" cy="523220"/>
+          </a:xfrm>
+          <a:prstGeom prst="rect">
+            <a:avLst/>
+          </a:prstGeom>
+          <a:noFill/>
+        </p:spPr>
+        <p:txBody>
+          <a:bodyPr wrap="square" rtlCol="0">
+            <a:spAutoFit/>
+          </a:bodyPr>
+          <a:lstStyle/>
+          <a:p>
+            <a:r>
+              <a:rPr lang="en-US" sz="2800" dirty="0" smtClean="0">
+                <a:latin typeface="Avenir Black"/>
+                <a:cs typeface="Avenir Black"/>
+              </a:rPr>
+              <a:t>Wireframe</a:t>
+            </a:r>
+            <a:endParaRPr lang="en-US" sz="2800" dirty="0">
+              <a:latin typeface="Avenir Black"/>
+              <a:cs typeface="Avenir Black"/>
+            </a:endParaRPr>
+          </a:p>
+        </p:txBody>
+      </p:sp>
+      <p:sp>
+        <p:nvSpPr>
+          <p:cNvPr id="3" name="TextBox 2"/>
+          <p:cNvSpPr txBox="1"/>
+          <p:nvPr/>
+        </p:nvSpPr>
+        <p:spPr>
+          <a:xfrm>
+            <a:off x="3760986" y="6463444"/>
+            <a:ext cx="1790946" cy="276999"/>
+          </a:xfrm>
+          <a:prstGeom prst="rect">
+            <a:avLst/>
+          </a:prstGeom>
+          <a:noFill/>
+        </p:spPr>
+        <p:txBody>
+          <a:bodyPr wrap="square" rtlCol="0">
+            <a:spAutoFit/>
+          </a:bodyPr>
+          <a:lstStyle/>
+          <a:p>
+            <a:pPr algn="ctr"/>
+            <a:r>
+              <a:rPr lang="en-US" sz="1200" dirty="0" smtClean="0"/>
+              <a:t>720px</a:t>
+            </a:r>
+            <a:endParaRPr lang="en-US" sz="1200" dirty="0"/>
+          </a:p>
+        </p:txBody>
+      </p:sp>
+      <p:sp>
+        <p:nvSpPr>
+          <p:cNvPr id="5" name="TextBox 4"/>
+          <p:cNvSpPr txBox="1"/>
+          <p:nvPr/>
+        </p:nvSpPr>
+        <p:spPr>
+          <a:xfrm rot="16200000">
+            <a:off x="8034944" y="3457501"/>
+            <a:ext cx="1790946" cy="276999"/>
+          </a:xfrm>
+          <a:prstGeom prst="rect">
+            <a:avLst/>
+          </a:prstGeom>
+          <a:noFill/>
+        </p:spPr>
+        <p:txBody>
+          <a:bodyPr wrap="square" rtlCol="0">
+            <a:spAutoFit/>
+          </a:bodyPr>
+          <a:lstStyle/>
+          <a:p>
+            <a:pPr algn="ctr"/>
+            <a:r>
+              <a:rPr lang="en-US" sz="1200" dirty="0" smtClean="0"/>
+              <a:t>480px</a:t>
+            </a:r>
+            <a:endParaRPr lang="en-US" sz="1200" dirty="0"/>
+          </a:p>
+        </p:txBody>
+      </p:sp>
+      <p:sp>
+        <p:nvSpPr>
+          <p:cNvPr id="6" name="Rectangle 5"/>
+          <p:cNvSpPr/>
+          <p:nvPr/>
+        </p:nvSpPr>
+        <p:spPr>
+          <a:xfrm>
+            <a:off x="895473" y="1400090"/>
+            <a:ext cx="1221099" cy="260482"/>
+          </a:xfrm>
+          <a:prstGeom prst="rect">
+            <a:avLst/>
+          </a:prstGeom>
+          <a:solidFill>
+            <a:schemeClr val="accent6">
+              <a:lumMod val="60000"/>
+              <a:lumOff val="40000"/>
+            </a:schemeClr>
+          </a:solidFill>
+          <a:ln>
+            <a:noFill/>
+          </a:ln>
+        </p:spPr>
+        <p:style>
+          <a:lnRef idx="1">
+            <a:schemeClr val="accent1"/>
+          </a:lnRef>
+          <a:fillRef idx="3">
+            <a:schemeClr val="accent1"/>
+          </a:fillRef>
+          <a:effectRef idx="2">
+            <a:schemeClr val="accent1"/>
+          </a:effectRef>
+          <a:fontRef idx="minor">
+            <a:schemeClr val="lt1"/>
+          </a:fontRef>
+        </p:style>
+        <p:txBody>
+          <a:bodyPr rtlCol="0" anchor="ctr"/>
+          <a:lstStyle/>
+          <a:p>
+            <a:pPr algn="ctr"/>
+            <a:r>
+              <a:rPr lang="en-US" sz="1200" dirty="0" smtClean="0">
+                <a:solidFill>
+                  <a:srgbClr val="000000"/>
+                </a:solidFill>
+              </a:rPr>
+              <a:t>Kitty Graphic</a:t>
+            </a:r>
+            <a:endParaRPr lang="en-US" sz="1200" dirty="0">
+              <a:solidFill>
+                <a:srgbClr val="000000"/>
+              </a:solidFill>
+            </a:endParaRPr>
+          </a:p>
+        </p:txBody>
+      </p:sp>
+      <p:sp>
+        <p:nvSpPr>
+          <p:cNvPr id="7" name="Rectangle 6"/>
+          <p:cNvSpPr/>
+          <p:nvPr/>
+        </p:nvSpPr>
+        <p:spPr>
+          <a:xfrm>
+            <a:off x="895473" y="1812972"/>
+            <a:ext cx="1221099" cy="260482"/>
+          </a:xfrm>
+          <a:prstGeom prst="rect">
+            <a:avLst/>
+          </a:prstGeom>
+          <a:solidFill>
+            <a:schemeClr val="accent6">
+              <a:lumMod val="60000"/>
+              <a:lumOff val="40000"/>
+            </a:schemeClr>
+          </a:solidFill>
+          <a:ln>
+            <a:noFill/>
+          </a:ln>
+        </p:spPr>
+        <p:style>
+          <a:lnRef idx="1">
+            <a:schemeClr val="accent1"/>
+          </a:lnRef>
+          <a:fillRef idx="3">
+            <a:schemeClr val="accent1"/>
+          </a:fillRef>
+          <a:effectRef idx="2">
+            <a:schemeClr val="accent1"/>
+          </a:effectRef>
+          <a:fontRef idx="minor">
+            <a:schemeClr val="lt1"/>
+          </a:fontRef>
+        </p:style>
+        <p:txBody>
+          <a:bodyPr rtlCol="0" anchor="ctr"/>
+          <a:lstStyle/>
+          <a:p>
+            <a:pPr algn="ctr"/>
+            <a:r>
+              <a:rPr lang="en-US" sz="1200" dirty="0" smtClean="0">
+                <a:solidFill>
+                  <a:srgbClr val="000000"/>
+                </a:solidFill>
+              </a:rPr>
+              <a:t>Kitty Graphic</a:t>
+            </a:r>
+            <a:endParaRPr lang="en-US" sz="1200" dirty="0">
+              <a:solidFill>
+                <a:srgbClr val="000000"/>
+              </a:solidFill>
+            </a:endParaRPr>
+          </a:p>
+        </p:txBody>
+      </p:sp>
+      <p:sp>
+        <p:nvSpPr>
+          <p:cNvPr id="8" name="Rectangle 7"/>
+          <p:cNvSpPr/>
+          <p:nvPr/>
+        </p:nvSpPr>
+        <p:spPr>
+          <a:xfrm>
+            <a:off x="895473" y="2225854"/>
+            <a:ext cx="1221099" cy="260482"/>
+          </a:xfrm>
+          <a:prstGeom prst="rect">
+            <a:avLst/>
+          </a:prstGeom>
+          <a:solidFill>
+            <a:schemeClr val="accent6">
+              <a:lumMod val="60000"/>
+              <a:lumOff val="40000"/>
+            </a:schemeClr>
+          </a:solidFill>
+          <a:ln>
+            <a:noFill/>
+          </a:ln>
+        </p:spPr>
+        <p:style>
+          <a:lnRef idx="1">
+            <a:schemeClr val="accent1"/>
+          </a:lnRef>
+          <a:fillRef idx="3">
+            <a:schemeClr val="accent1"/>
+          </a:fillRef>
+          <a:effectRef idx="2">
+            <a:schemeClr val="accent1"/>
+          </a:effectRef>
+          <a:fontRef idx="minor">
+            <a:schemeClr val="lt1"/>
+          </a:fontRef>
+        </p:style>
+        <p:txBody>
+          <a:bodyPr rtlCol="0" anchor="ctr"/>
+          <a:lstStyle/>
+          <a:p>
+            <a:pPr algn="ctr"/>
+            <a:r>
+              <a:rPr lang="en-US" sz="1200" dirty="0" smtClean="0">
+                <a:solidFill>
+                  <a:srgbClr val="000000"/>
+                </a:solidFill>
+              </a:rPr>
+              <a:t>Kitty Graphic</a:t>
+            </a:r>
+            <a:endParaRPr lang="en-US" sz="1200" dirty="0">
+              <a:solidFill>
+                <a:srgbClr val="000000"/>
+              </a:solidFill>
+            </a:endParaRPr>
+          </a:p>
+        </p:txBody>
+      </p:sp>
+      <p:sp>
+        <p:nvSpPr>
+          <p:cNvPr id="9" name="Rectangle 8"/>
+          <p:cNvSpPr/>
+          <p:nvPr/>
+        </p:nvSpPr>
+        <p:spPr>
+          <a:xfrm>
+            <a:off x="895473" y="2667967"/>
+            <a:ext cx="1221099" cy="260482"/>
+          </a:xfrm>
+          <a:prstGeom prst="rect">
+            <a:avLst/>
+          </a:prstGeom>
+          <a:solidFill>
+            <a:schemeClr val="accent6">
+              <a:lumMod val="60000"/>
+              <a:lumOff val="40000"/>
+            </a:schemeClr>
+          </a:solidFill>
+          <a:ln>
+            <a:noFill/>
+          </a:ln>
+        </p:spPr>
+        <p:style>
+          <a:lnRef idx="1">
+            <a:schemeClr val="accent1"/>
+          </a:lnRef>
+          <a:fillRef idx="3">
+            <a:schemeClr val="accent1"/>
+          </a:fillRef>
+          <a:effectRef idx="2">
+            <a:schemeClr val="accent1"/>
+          </a:effectRef>
+          <a:fontRef idx="minor">
+            <a:schemeClr val="lt1"/>
+          </a:fontRef>
+        </p:style>
+        <p:txBody>
+          <a:bodyPr rtlCol="0" anchor="ctr"/>
+          <a:lstStyle/>
+          <a:p>
+            <a:pPr algn="ctr"/>
+            <a:r>
+              <a:rPr lang="en-US" sz="1200" dirty="0" smtClean="0">
+                <a:solidFill>
+                  <a:srgbClr val="000000"/>
+                </a:solidFill>
+              </a:rPr>
+              <a:t>Kitty Graphic</a:t>
+            </a:r>
+            <a:endParaRPr lang="en-US" sz="1200" dirty="0">
+              <a:solidFill>
+                <a:srgbClr val="000000"/>
+              </a:solidFill>
+            </a:endParaRPr>
+          </a:p>
+        </p:txBody>
+      </p:sp>
+      <p:sp>
+        <p:nvSpPr>
+          <p:cNvPr id="10" name="Rectangle 9"/>
+          <p:cNvSpPr/>
+          <p:nvPr/>
+        </p:nvSpPr>
+        <p:spPr>
+          <a:xfrm>
+            <a:off x="2350378" y="1403997"/>
+            <a:ext cx="1221099" cy="260482"/>
+          </a:xfrm>
+          <a:prstGeom prst="rect">
+            <a:avLst/>
+          </a:prstGeom>
+          <a:solidFill>
+            <a:schemeClr val="accent6">
+              <a:lumMod val="60000"/>
+              <a:lumOff val="40000"/>
+            </a:schemeClr>
+          </a:solidFill>
+          <a:ln>
+            <a:noFill/>
+          </a:ln>
+        </p:spPr>
+        <p:style>
+          <a:lnRef idx="1">
+            <a:schemeClr val="accent1"/>
+          </a:lnRef>
+          <a:fillRef idx="3">
+            <a:schemeClr val="accent1"/>
+          </a:fillRef>
+          <a:effectRef idx="2">
+            <a:schemeClr val="accent1"/>
+          </a:effectRef>
+          <a:fontRef idx="minor">
+            <a:schemeClr val="lt1"/>
+          </a:fontRef>
+        </p:style>
+        <p:txBody>
+          <a:bodyPr rtlCol="0" anchor="ctr"/>
+          <a:lstStyle/>
+          <a:p>
+            <a:pPr algn="ctr"/>
+            <a:r>
+              <a:rPr lang="en-US" sz="1200" dirty="0" smtClean="0">
+                <a:solidFill>
+                  <a:srgbClr val="000000"/>
+                </a:solidFill>
+              </a:rPr>
+              <a:t>Kitty Graphic</a:t>
+            </a:r>
+            <a:endParaRPr lang="en-US" sz="1200" dirty="0">
+              <a:solidFill>
+                <a:srgbClr val="000000"/>
+              </a:solidFill>
+            </a:endParaRPr>
+          </a:p>
+        </p:txBody>
+      </p:sp>
+      <p:sp>
+        <p:nvSpPr>
+          <p:cNvPr id="11" name="Rectangle 10"/>
+          <p:cNvSpPr/>
+          <p:nvPr/>
+        </p:nvSpPr>
+        <p:spPr>
+          <a:xfrm>
+            <a:off x="2350378" y="1816879"/>
+            <a:ext cx="1221099" cy="260482"/>
+          </a:xfrm>
+          <a:prstGeom prst="rect">
+            <a:avLst/>
+          </a:prstGeom>
+          <a:solidFill>
+            <a:schemeClr val="accent6">
+              <a:lumMod val="60000"/>
+              <a:lumOff val="40000"/>
+            </a:schemeClr>
+          </a:solidFill>
+          <a:ln>
+            <a:noFill/>
+          </a:ln>
+        </p:spPr>
+        <p:style>
+          <a:lnRef idx="1">
+            <a:schemeClr val="accent1"/>
+          </a:lnRef>
+          <a:fillRef idx="3">
+            <a:schemeClr val="accent1"/>
+          </a:fillRef>
+          <a:effectRef idx="2">
+            <a:schemeClr val="accent1"/>
+          </a:effectRef>
+          <a:fontRef idx="minor">
+            <a:schemeClr val="lt1"/>
+          </a:fontRef>
+        </p:style>
+        <p:txBody>
+          <a:bodyPr rtlCol="0" anchor="ctr"/>
+          <a:lstStyle/>
+          <a:p>
+            <a:pPr algn="ctr"/>
+            <a:r>
+              <a:rPr lang="en-US" sz="1200" dirty="0" smtClean="0">
+                <a:solidFill>
+                  <a:srgbClr val="000000"/>
+                </a:solidFill>
+              </a:rPr>
+              <a:t>Kitty Graphic</a:t>
+            </a:r>
+            <a:endParaRPr lang="en-US" sz="1200" dirty="0">
+              <a:solidFill>
+                <a:srgbClr val="000000"/>
+              </a:solidFill>
+            </a:endParaRPr>
+          </a:p>
+        </p:txBody>
+      </p:sp>
+      <p:sp>
+        <p:nvSpPr>
+          <p:cNvPr id="12" name="Rectangle 11"/>
+          <p:cNvSpPr/>
+          <p:nvPr/>
+        </p:nvSpPr>
+        <p:spPr>
+          <a:xfrm>
+            <a:off x="2350378" y="2229761"/>
+            <a:ext cx="1221099" cy="260482"/>
+          </a:xfrm>
+          <a:prstGeom prst="rect">
+            <a:avLst/>
+          </a:prstGeom>
+          <a:solidFill>
+            <a:schemeClr val="accent6">
+              <a:lumMod val="60000"/>
+              <a:lumOff val="40000"/>
+            </a:schemeClr>
+          </a:solidFill>
+          <a:ln>
+            <a:noFill/>
+          </a:ln>
+        </p:spPr>
+        <p:style>
+          <a:lnRef idx="1">
+            <a:schemeClr val="accent1"/>
+          </a:lnRef>
+          <a:fillRef idx="3">
+            <a:schemeClr val="accent1"/>
+          </a:fillRef>
+          <a:effectRef idx="2">
+            <a:schemeClr val="accent1"/>
+          </a:effectRef>
+          <a:fontRef idx="minor">
+            <a:schemeClr val="lt1"/>
+          </a:fontRef>
+        </p:style>
+        <p:txBody>
+          <a:bodyPr rtlCol="0" anchor="ctr"/>
+          <a:lstStyle/>
+          <a:p>
+            <a:pPr algn="ctr"/>
+            <a:r>
+              <a:rPr lang="en-US" sz="1200" dirty="0" smtClean="0">
+                <a:solidFill>
+                  <a:srgbClr val="000000"/>
+                </a:solidFill>
+              </a:rPr>
+              <a:t>Kitty Graphic</a:t>
+            </a:r>
+            <a:endParaRPr lang="en-US" sz="1200" dirty="0">
+              <a:solidFill>
+                <a:srgbClr val="000000"/>
+              </a:solidFill>
+            </a:endParaRPr>
+          </a:p>
+        </p:txBody>
+      </p:sp>
+      <p:sp>
+        <p:nvSpPr>
+          <p:cNvPr id="13" name="Rectangle 12"/>
+          <p:cNvSpPr/>
+          <p:nvPr/>
+        </p:nvSpPr>
+        <p:spPr>
+          <a:xfrm>
+            <a:off x="2350378" y="2671874"/>
+            <a:ext cx="1221099" cy="260482"/>
+          </a:xfrm>
+          <a:prstGeom prst="rect">
+            <a:avLst/>
+          </a:prstGeom>
+          <a:solidFill>
+            <a:schemeClr val="accent6">
+              <a:lumMod val="60000"/>
+              <a:lumOff val="40000"/>
+            </a:schemeClr>
+          </a:solidFill>
+          <a:ln>
+            <a:noFill/>
+          </a:ln>
+        </p:spPr>
+        <p:style>
+          <a:lnRef idx="1">
+            <a:schemeClr val="accent1"/>
+          </a:lnRef>
+          <a:fillRef idx="3">
+            <a:schemeClr val="accent1"/>
+          </a:fillRef>
+          <a:effectRef idx="2">
+            <a:schemeClr val="accent1"/>
+          </a:effectRef>
+          <a:fontRef idx="minor">
+            <a:schemeClr val="lt1"/>
+          </a:fontRef>
+        </p:style>
+        <p:txBody>
+          <a:bodyPr rtlCol="0" anchor="ctr"/>
+          <a:lstStyle/>
+          <a:p>
+            <a:pPr algn="ctr"/>
+            <a:r>
+              <a:rPr lang="en-US" sz="1200" dirty="0" smtClean="0">
+                <a:solidFill>
+                  <a:srgbClr val="000000"/>
+                </a:solidFill>
+              </a:rPr>
+              <a:t>Kitty Graphic</a:t>
+            </a:r>
+            <a:endParaRPr lang="en-US" sz="1200" dirty="0">
+              <a:solidFill>
+                <a:srgbClr val="000000"/>
+              </a:solidFill>
+            </a:endParaRPr>
+          </a:p>
+        </p:txBody>
+      </p:sp>
+      <p:sp>
+        <p:nvSpPr>
+          <p:cNvPr id="14" name="Rectangle 13"/>
+          <p:cNvSpPr/>
+          <p:nvPr/>
+        </p:nvSpPr>
+        <p:spPr>
+          <a:xfrm>
+            <a:off x="3811150" y="1400090"/>
+            <a:ext cx="1221099" cy="260482"/>
+          </a:xfrm>
+          <a:prstGeom prst="rect">
+            <a:avLst/>
+          </a:prstGeom>
+          <a:solidFill>
+            <a:schemeClr val="accent6">
+              <a:lumMod val="60000"/>
+              <a:lumOff val="40000"/>
+            </a:schemeClr>
+          </a:solidFill>
+          <a:ln>
+            <a:noFill/>
+          </a:ln>
+        </p:spPr>
+        <p:style>
+          <a:lnRef idx="1">
+            <a:schemeClr val="accent1"/>
+          </a:lnRef>
+          <a:fillRef idx="3">
+            <a:schemeClr val="accent1"/>
+          </a:fillRef>
+          <a:effectRef idx="2">
+            <a:schemeClr val="accent1"/>
+          </a:effectRef>
+          <a:fontRef idx="minor">
+            <a:schemeClr val="lt1"/>
+          </a:fontRef>
+        </p:style>
+        <p:txBody>
+          <a:bodyPr rtlCol="0" anchor="ctr"/>
+          <a:lstStyle/>
+          <a:p>
+            <a:pPr algn="ctr"/>
+            <a:r>
+              <a:rPr lang="en-US" sz="1200" dirty="0" smtClean="0">
+                <a:solidFill>
+                  <a:srgbClr val="000000"/>
+                </a:solidFill>
+              </a:rPr>
+              <a:t>Kitty Graphic</a:t>
+            </a:r>
+            <a:endParaRPr lang="en-US" sz="1200" dirty="0">
+              <a:solidFill>
+                <a:srgbClr val="000000"/>
+              </a:solidFill>
+            </a:endParaRPr>
+          </a:p>
+        </p:txBody>
+      </p:sp>
+      <p:sp>
+        <p:nvSpPr>
+          <p:cNvPr id="15" name="Rectangle 14"/>
+          <p:cNvSpPr/>
+          <p:nvPr/>
+        </p:nvSpPr>
+        <p:spPr>
+          <a:xfrm>
+            <a:off x="3811150" y="1812972"/>
+            <a:ext cx="1221099" cy="260482"/>
+          </a:xfrm>
+          <a:prstGeom prst="rect">
+            <a:avLst/>
+          </a:prstGeom>
+          <a:solidFill>
+            <a:schemeClr val="accent6">
+              <a:lumMod val="60000"/>
+              <a:lumOff val="40000"/>
+            </a:schemeClr>
+          </a:solidFill>
+          <a:ln>
+            <a:noFill/>
+          </a:ln>
+        </p:spPr>
+        <p:style>
+          <a:lnRef idx="1">
+            <a:schemeClr val="accent1"/>
+          </a:lnRef>
+          <a:fillRef idx="3">
+            <a:schemeClr val="accent1"/>
+          </a:fillRef>
+          <a:effectRef idx="2">
+            <a:schemeClr val="accent1"/>
+          </a:effectRef>
+          <a:fontRef idx="minor">
+            <a:schemeClr val="lt1"/>
+          </a:fontRef>
+        </p:style>
+        <p:txBody>
+          <a:bodyPr rtlCol="0" anchor="ctr"/>
+          <a:lstStyle/>
+          <a:p>
+            <a:pPr algn="ctr"/>
+            <a:r>
+              <a:rPr lang="en-US" sz="1200" dirty="0" smtClean="0">
+                <a:solidFill>
+                  <a:srgbClr val="000000"/>
+                </a:solidFill>
+              </a:rPr>
+              <a:t>Kitty Graphic</a:t>
+            </a:r>
+            <a:endParaRPr lang="en-US" sz="1200" dirty="0">
+              <a:solidFill>
+                <a:srgbClr val="000000"/>
+              </a:solidFill>
+            </a:endParaRPr>
+          </a:p>
+        </p:txBody>
+      </p:sp>
+      <p:sp>
+        <p:nvSpPr>
+          <p:cNvPr id="16" name="Rectangle 15"/>
+          <p:cNvSpPr/>
+          <p:nvPr/>
+        </p:nvSpPr>
+        <p:spPr>
+          <a:xfrm>
+            <a:off x="3811150" y="2225854"/>
+            <a:ext cx="1221099" cy="260482"/>
+          </a:xfrm>
+          <a:prstGeom prst="rect">
+            <a:avLst/>
+          </a:prstGeom>
+          <a:solidFill>
+            <a:schemeClr val="accent6">
+              <a:lumMod val="60000"/>
+              <a:lumOff val="40000"/>
+            </a:schemeClr>
+          </a:solidFill>
+          <a:ln>
+            <a:noFill/>
+          </a:ln>
+        </p:spPr>
+        <p:style>
+          <a:lnRef idx="1">
+            <a:schemeClr val="accent1"/>
+          </a:lnRef>
+          <a:fillRef idx="3">
+            <a:schemeClr val="accent1"/>
+          </a:fillRef>
+          <a:effectRef idx="2">
+            <a:schemeClr val="accent1"/>
+          </a:effectRef>
+          <a:fontRef idx="minor">
+            <a:schemeClr val="lt1"/>
+          </a:fontRef>
+        </p:style>
+        <p:txBody>
+          <a:bodyPr rtlCol="0" anchor="ctr"/>
+          <a:lstStyle/>
+          <a:p>
+            <a:pPr algn="ctr"/>
+            <a:r>
+              <a:rPr lang="en-US" sz="1200" dirty="0" smtClean="0">
+                <a:solidFill>
+                  <a:srgbClr val="000000"/>
+                </a:solidFill>
+              </a:rPr>
+              <a:t>Kitty Graphic</a:t>
+            </a:r>
+            <a:endParaRPr lang="en-US" sz="1200" dirty="0">
+              <a:solidFill>
+                <a:srgbClr val="000000"/>
+              </a:solidFill>
+            </a:endParaRPr>
+          </a:p>
+        </p:txBody>
+      </p:sp>
+      <p:sp>
+        <p:nvSpPr>
+          <p:cNvPr id="17" name="Rectangle 16"/>
+          <p:cNvSpPr/>
+          <p:nvPr/>
+        </p:nvSpPr>
+        <p:spPr>
+          <a:xfrm>
+            <a:off x="3811150" y="2667967"/>
+            <a:ext cx="1221099" cy="260482"/>
+          </a:xfrm>
+          <a:prstGeom prst="rect">
+            <a:avLst/>
+          </a:prstGeom>
+          <a:solidFill>
+            <a:schemeClr val="accent6">
+              <a:lumMod val="60000"/>
+              <a:lumOff val="40000"/>
+            </a:schemeClr>
+          </a:solidFill>
+          <a:ln>
+            <a:noFill/>
+          </a:ln>
+        </p:spPr>
+        <p:style>
+          <a:lnRef idx="1">
+            <a:schemeClr val="accent1"/>
+          </a:lnRef>
+          <a:fillRef idx="3">
+            <a:schemeClr val="accent1"/>
+          </a:fillRef>
+          <a:effectRef idx="2">
+            <a:schemeClr val="accent1"/>
+          </a:effectRef>
+          <a:fontRef idx="minor">
+            <a:schemeClr val="lt1"/>
+          </a:fontRef>
+        </p:style>
+        <p:txBody>
+          <a:bodyPr rtlCol="0" anchor="ctr"/>
+          <a:lstStyle/>
+          <a:p>
+            <a:pPr algn="ctr"/>
+            <a:r>
+              <a:rPr lang="en-US" sz="1200" dirty="0" smtClean="0">
+                <a:solidFill>
+                  <a:srgbClr val="000000"/>
+                </a:solidFill>
+              </a:rPr>
+              <a:t>Kitty Graphic</a:t>
+            </a:r>
+            <a:endParaRPr lang="en-US" sz="1200" dirty="0">
+              <a:solidFill>
+                <a:srgbClr val="000000"/>
+              </a:solidFill>
+            </a:endParaRPr>
+          </a:p>
+        </p:txBody>
+      </p:sp>
+      <p:sp>
+        <p:nvSpPr>
+          <p:cNvPr id="18" name="Rectangle 17"/>
+          <p:cNvSpPr/>
+          <p:nvPr/>
+        </p:nvSpPr>
+        <p:spPr>
+          <a:xfrm>
+            <a:off x="5238041" y="1411811"/>
+            <a:ext cx="1221099" cy="260482"/>
+          </a:xfrm>
+          <a:prstGeom prst="rect">
+            <a:avLst/>
+          </a:prstGeom>
+          <a:solidFill>
+            <a:schemeClr val="accent6">
+              <a:lumMod val="60000"/>
+              <a:lumOff val="40000"/>
+            </a:schemeClr>
+          </a:solidFill>
+          <a:ln>
+            <a:noFill/>
+          </a:ln>
+        </p:spPr>
+        <p:style>
+          <a:lnRef idx="1">
+            <a:schemeClr val="accent1"/>
+          </a:lnRef>
+          <a:fillRef idx="3">
+            <a:schemeClr val="accent1"/>
+          </a:fillRef>
+          <a:effectRef idx="2">
+            <a:schemeClr val="accent1"/>
+          </a:effectRef>
+          <a:fontRef idx="minor">
+            <a:schemeClr val="lt1"/>
+          </a:fontRef>
+        </p:style>
+        <p:txBody>
+          <a:bodyPr rtlCol="0" anchor="ctr"/>
+          <a:lstStyle/>
+          <a:p>
+            <a:pPr algn="ctr"/>
+            <a:r>
+              <a:rPr lang="en-US" sz="1200" dirty="0" smtClean="0">
+                <a:solidFill>
+                  <a:srgbClr val="000000"/>
+                </a:solidFill>
+              </a:rPr>
+              <a:t>Kitty Graphic</a:t>
+            </a:r>
+            <a:endParaRPr lang="en-US" sz="1200" dirty="0">
+              <a:solidFill>
+                <a:srgbClr val="000000"/>
+              </a:solidFill>
+            </a:endParaRPr>
+          </a:p>
+        </p:txBody>
+      </p:sp>
+      <p:sp>
+        <p:nvSpPr>
+          <p:cNvPr id="19" name="Rectangle 18"/>
+          <p:cNvSpPr/>
+          <p:nvPr/>
+        </p:nvSpPr>
+        <p:spPr>
+          <a:xfrm>
+            <a:off x="5238041" y="1824693"/>
+            <a:ext cx="1221099" cy="260482"/>
+          </a:xfrm>
+          <a:prstGeom prst="rect">
+            <a:avLst/>
+          </a:prstGeom>
+          <a:solidFill>
+            <a:schemeClr val="accent6">
+              <a:lumMod val="60000"/>
+              <a:lumOff val="40000"/>
+            </a:schemeClr>
+          </a:solidFill>
+          <a:ln>
+            <a:noFill/>
+          </a:ln>
+        </p:spPr>
+        <p:style>
+          <a:lnRef idx="1">
+            <a:schemeClr val="accent1"/>
+          </a:lnRef>
+          <a:fillRef idx="3">
+            <a:schemeClr val="accent1"/>
+          </a:fillRef>
+          <a:effectRef idx="2">
+            <a:schemeClr val="accent1"/>
+          </a:effectRef>
+          <a:fontRef idx="minor">
+            <a:schemeClr val="lt1"/>
+          </a:fontRef>
+        </p:style>
+        <p:txBody>
+          <a:bodyPr rtlCol="0" anchor="ctr"/>
+          <a:lstStyle/>
+          <a:p>
+            <a:pPr algn="ctr"/>
+            <a:r>
+              <a:rPr lang="en-US" sz="1200" dirty="0" smtClean="0">
+                <a:solidFill>
+                  <a:srgbClr val="000000"/>
+                </a:solidFill>
+              </a:rPr>
+              <a:t>Kitty Graphic</a:t>
+            </a:r>
+            <a:endParaRPr lang="en-US" sz="1200" dirty="0">
+              <a:solidFill>
+                <a:srgbClr val="000000"/>
+              </a:solidFill>
+            </a:endParaRPr>
+          </a:p>
+        </p:txBody>
+      </p:sp>
+      <p:sp>
+        <p:nvSpPr>
+          <p:cNvPr id="20" name="Rectangle 19"/>
+          <p:cNvSpPr/>
+          <p:nvPr/>
+        </p:nvSpPr>
+        <p:spPr>
+          <a:xfrm>
+            <a:off x="5238041" y="2237575"/>
+            <a:ext cx="1221099" cy="260482"/>
+          </a:xfrm>
+          <a:prstGeom prst="rect">
+            <a:avLst/>
+          </a:prstGeom>
+          <a:solidFill>
+            <a:schemeClr val="accent6">
+              <a:lumMod val="60000"/>
+              <a:lumOff val="40000"/>
+            </a:schemeClr>
+          </a:solidFill>
+          <a:ln>
+            <a:noFill/>
+          </a:ln>
+        </p:spPr>
+        <p:style>
+          <a:lnRef idx="1">
+            <a:schemeClr val="accent1"/>
+          </a:lnRef>
+          <a:fillRef idx="3">
+            <a:schemeClr val="accent1"/>
+          </a:fillRef>
+          <a:effectRef idx="2">
+            <a:schemeClr val="accent1"/>
+          </a:effectRef>
+          <a:fontRef idx="minor">
+            <a:schemeClr val="lt1"/>
+          </a:fontRef>
+        </p:style>
+        <p:txBody>
+          <a:bodyPr rtlCol="0" anchor="ctr"/>
+          <a:lstStyle/>
+          <a:p>
+            <a:pPr algn="ctr"/>
+            <a:r>
+              <a:rPr lang="en-US" sz="1200" dirty="0" smtClean="0">
+                <a:solidFill>
+                  <a:srgbClr val="000000"/>
+                </a:solidFill>
+              </a:rPr>
+              <a:t>Kitty Graphic</a:t>
+            </a:r>
+            <a:endParaRPr lang="en-US" sz="1200" dirty="0">
+              <a:solidFill>
+                <a:srgbClr val="000000"/>
+              </a:solidFill>
+            </a:endParaRPr>
+          </a:p>
+        </p:txBody>
+      </p:sp>
+      <p:sp>
+        <p:nvSpPr>
+          <p:cNvPr id="21" name="Rectangle 20"/>
+          <p:cNvSpPr/>
+          <p:nvPr/>
+        </p:nvSpPr>
+        <p:spPr>
+          <a:xfrm>
+            <a:off x="5238041" y="2679688"/>
+            <a:ext cx="1221099" cy="260482"/>
+          </a:xfrm>
+          <a:prstGeom prst="rect">
+            <a:avLst/>
+          </a:prstGeom>
+          <a:solidFill>
+            <a:schemeClr val="accent6">
+              <a:lumMod val="60000"/>
+              <a:lumOff val="40000"/>
+            </a:schemeClr>
+          </a:solidFill>
+          <a:ln>
+            <a:noFill/>
+          </a:ln>
+        </p:spPr>
+        <p:style>
+          <a:lnRef idx="1">
+            <a:schemeClr val="accent1"/>
+          </a:lnRef>
+          <a:fillRef idx="3">
+            <a:schemeClr val="accent1"/>
+          </a:fillRef>
+          <a:effectRef idx="2">
+            <a:schemeClr val="accent1"/>
+          </a:effectRef>
+          <a:fontRef idx="minor">
+            <a:schemeClr val="lt1"/>
+          </a:fontRef>
+        </p:style>
+        <p:txBody>
+          <a:bodyPr rtlCol="0" anchor="ctr"/>
+          <a:lstStyle/>
+          <a:p>
+            <a:pPr algn="ctr"/>
+            <a:r>
+              <a:rPr lang="en-US" sz="1200" dirty="0" smtClean="0">
+                <a:solidFill>
+                  <a:srgbClr val="000000"/>
+                </a:solidFill>
+              </a:rPr>
+              <a:t>Kitty Graphic</a:t>
+            </a:r>
+            <a:endParaRPr lang="en-US" sz="1200" dirty="0">
+              <a:solidFill>
+                <a:srgbClr val="000000"/>
+              </a:solidFill>
+            </a:endParaRPr>
+          </a:p>
+        </p:txBody>
+      </p:sp>
+      <p:sp>
+        <p:nvSpPr>
+          <p:cNvPr id="22" name="Rectangle 21"/>
+          <p:cNvSpPr/>
+          <p:nvPr/>
+        </p:nvSpPr>
+        <p:spPr>
+          <a:xfrm>
+            <a:off x="6741791" y="1400090"/>
+            <a:ext cx="1221099" cy="260482"/>
+          </a:xfrm>
+          <a:prstGeom prst="rect">
+            <a:avLst/>
+          </a:prstGeom>
+          <a:solidFill>
+            <a:schemeClr val="accent6">
+              <a:lumMod val="60000"/>
+              <a:lumOff val="40000"/>
+            </a:schemeClr>
+          </a:solidFill>
+          <a:ln>
+            <a:noFill/>
+          </a:ln>
+        </p:spPr>
+        <p:style>
+          <a:lnRef idx="1">
+            <a:schemeClr val="accent1"/>
+          </a:lnRef>
+          <a:fillRef idx="3">
+            <a:schemeClr val="accent1"/>
+          </a:fillRef>
+          <a:effectRef idx="2">
+            <a:schemeClr val="accent1"/>
+          </a:effectRef>
+          <a:fontRef idx="minor">
+            <a:schemeClr val="lt1"/>
+          </a:fontRef>
+        </p:style>
+        <p:txBody>
+          <a:bodyPr rtlCol="0" anchor="ctr"/>
+          <a:lstStyle/>
+          <a:p>
+            <a:pPr algn="ctr"/>
+            <a:r>
+              <a:rPr lang="en-US" sz="1200" dirty="0" smtClean="0">
+                <a:solidFill>
+                  <a:srgbClr val="000000"/>
+                </a:solidFill>
+              </a:rPr>
+              <a:t>Kitty Graphic</a:t>
+            </a:r>
+            <a:endParaRPr lang="en-US" sz="1200" dirty="0">
+              <a:solidFill>
+                <a:srgbClr val="000000"/>
+              </a:solidFill>
+            </a:endParaRPr>
+          </a:p>
+        </p:txBody>
+      </p:sp>
+      <p:sp>
+        <p:nvSpPr>
+          <p:cNvPr id="23" name="Rectangle 22"/>
+          <p:cNvSpPr/>
+          <p:nvPr/>
+        </p:nvSpPr>
+        <p:spPr>
+          <a:xfrm>
+            <a:off x="6741791" y="1812972"/>
+            <a:ext cx="1221099" cy="260482"/>
+          </a:xfrm>
+          <a:prstGeom prst="rect">
+            <a:avLst/>
+          </a:prstGeom>
+          <a:solidFill>
+            <a:schemeClr val="accent6">
+              <a:lumMod val="60000"/>
+              <a:lumOff val="40000"/>
+            </a:schemeClr>
+          </a:solidFill>
+          <a:ln>
+            <a:noFill/>
+          </a:ln>
+        </p:spPr>
+        <p:style>
+          <a:lnRef idx="1">
+            <a:schemeClr val="accent1"/>
+          </a:lnRef>
+          <a:fillRef idx="3">
+            <a:schemeClr val="accent1"/>
+          </a:fillRef>
+          <a:effectRef idx="2">
+            <a:schemeClr val="accent1"/>
+          </a:effectRef>
+          <a:fontRef idx="minor">
+            <a:schemeClr val="lt1"/>
+          </a:fontRef>
+        </p:style>
+        <p:txBody>
+          <a:bodyPr rtlCol="0" anchor="ctr"/>
+          <a:lstStyle/>
+          <a:p>
+            <a:pPr algn="ctr"/>
+            <a:r>
+              <a:rPr lang="en-US" sz="1200" dirty="0" smtClean="0">
+                <a:solidFill>
+                  <a:srgbClr val="000000"/>
+                </a:solidFill>
+              </a:rPr>
+              <a:t>Kitty Graphic</a:t>
+            </a:r>
+            <a:endParaRPr lang="en-US" sz="1200" dirty="0">
+              <a:solidFill>
+                <a:srgbClr val="000000"/>
+              </a:solidFill>
+            </a:endParaRPr>
+          </a:p>
+        </p:txBody>
+      </p:sp>
+      <p:sp>
+        <p:nvSpPr>
+          <p:cNvPr id="24" name="Rectangle 23"/>
+          <p:cNvSpPr/>
+          <p:nvPr/>
+        </p:nvSpPr>
+        <p:spPr>
+          <a:xfrm>
+            <a:off x="6741791" y="2225854"/>
+            <a:ext cx="1221099" cy="260482"/>
+          </a:xfrm>
+          <a:prstGeom prst="rect">
+            <a:avLst/>
+          </a:prstGeom>
+          <a:solidFill>
+            <a:schemeClr val="accent6">
+              <a:lumMod val="60000"/>
+              <a:lumOff val="40000"/>
+            </a:schemeClr>
+          </a:solidFill>
+          <a:ln>
+            <a:noFill/>
+          </a:ln>
+        </p:spPr>
+        <p:style>
+          <a:lnRef idx="1">
+            <a:schemeClr val="accent1"/>
+          </a:lnRef>
+          <a:fillRef idx="3">
+            <a:schemeClr val="accent1"/>
+          </a:fillRef>
+          <a:effectRef idx="2">
+            <a:schemeClr val="accent1"/>
+          </a:effectRef>
+          <a:fontRef idx="minor">
+            <a:schemeClr val="lt1"/>
+          </a:fontRef>
+        </p:style>
+        <p:txBody>
+          <a:bodyPr rtlCol="0" anchor="ctr"/>
+          <a:lstStyle/>
+          <a:p>
+            <a:pPr algn="ctr"/>
+            <a:r>
+              <a:rPr lang="en-US" sz="1200" dirty="0" smtClean="0">
+                <a:solidFill>
+                  <a:srgbClr val="000000"/>
+                </a:solidFill>
+              </a:rPr>
+              <a:t>Kitty Graphic</a:t>
+            </a:r>
+            <a:endParaRPr lang="en-US" sz="1200" dirty="0">
+              <a:solidFill>
+                <a:srgbClr val="000000"/>
+              </a:solidFill>
+            </a:endParaRPr>
+          </a:p>
+        </p:txBody>
+      </p:sp>
+      <p:sp>
+        <p:nvSpPr>
+          <p:cNvPr id="25" name="Rectangle 24"/>
+          <p:cNvSpPr/>
+          <p:nvPr/>
+        </p:nvSpPr>
+        <p:spPr>
+          <a:xfrm>
+            <a:off x="6741791" y="2667967"/>
+            <a:ext cx="1221099" cy="260482"/>
+          </a:xfrm>
+          <a:prstGeom prst="rect">
+            <a:avLst/>
+          </a:prstGeom>
+          <a:solidFill>
+            <a:schemeClr val="accent6">
+              <a:lumMod val="60000"/>
+              <a:lumOff val="40000"/>
+            </a:schemeClr>
+          </a:solidFill>
+          <a:ln>
+            <a:noFill/>
+          </a:ln>
+        </p:spPr>
+        <p:style>
+          <a:lnRef idx="1">
+            <a:schemeClr val="accent1"/>
+          </a:lnRef>
+          <a:fillRef idx="3">
+            <a:schemeClr val="accent1"/>
+          </a:fillRef>
+          <a:effectRef idx="2">
+            <a:schemeClr val="accent1"/>
+          </a:effectRef>
+          <a:fontRef idx="minor">
+            <a:schemeClr val="lt1"/>
+          </a:fontRef>
+        </p:style>
+        <p:txBody>
+          <a:bodyPr rtlCol="0" anchor="ctr"/>
+          <a:lstStyle/>
+          <a:p>
+            <a:pPr algn="ctr"/>
+            <a:r>
+              <a:rPr lang="en-US" sz="1200" dirty="0" smtClean="0">
+                <a:solidFill>
+                  <a:srgbClr val="000000"/>
+                </a:solidFill>
+              </a:rPr>
+              <a:t>Kitty Graphic</a:t>
+            </a:r>
+            <a:endParaRPr lang="en-US" sz="1200" dirty="0">
+              <a:solidFill>
+                <a:srgbClr val="000000"/>
+              </a:solidFill>
+            </a:endParaRPr>
+          </a:p>
+        </p:txBody>
+      </p:sp>
+      <p:pic>
+        <p:nvPicPr>
+          <p:cNvPr id="37" name="Picture 36"/>
+          <p:cNvPicPr>
+            <a:picLocks noChangeAspect="1"/>
+          </p:cNvPicPr>
+          <p:nvPr/>
+        </p:nvPicPr>
+        <p:blipFill rotWithShape="1">
+          <a:blip r:embed="rId2"/>
+          <a:srcRect t="55455" r="26118"/>
+          <a:stretch/>
+        </p:blipFill>
+        <p:spPr>
+          <a:xfrm>
+            <a:off x="4672742" y="5534713"/>
+            <a:ext cx="4119176" cy="928494"/>
+          </a:xfrm>
+          <a:prstGeom prst="rect">
+            <a:avLst/>
+          </a:prstGeom>
+        </p:spPr>
+      </p:pic>
+      <p:pic>
+        <p:nvPicPr>
+          <p:cNvPr id="36" name="Picture 35"/>
+          <p:cNvPicPr>
+            <a:picLocks noChangeAspect="1"/>
+          </p:cNvPicPr>
+          <p:nvPr/>
+        </p:nvPicPr>
+        <p:blipFill rotWithShape="1">
+          <a:blip r:embed="rId2"/>
+          <a:srcRect t="55455" r="22258"/>
+          <a:stretch/>
+        </p:blipFill>
+        <p:spPr>
+          <a:xfrm>
+            <a:off x="338370" y="5534950"/>
+            <a:ext cx="4334371" cy="928494"/>
+          </a:xfrm>
+          <a:prstGeom prst="rect">
+            <a:avLst/>
+          </a:prstGeom>
+        </p:spPr>
+      </p:pic>
+      <p:pic>
+        <p:nvPicPr>
+          <p:cNvPr id="27" name="Picture 26"/>
+          <p:cNvPicPr>
+            <a:picLocks noChangeAspect="1"/>
+          </p:cNvPicPr>
+          <p:nvPr/>
+        </p:nvPicPr>
+        <p:blipFill>
+          <a:blip r:embed="rId3">
+            <a:extLst>
+              <a:ext uri="{BEBA8EAE-BF5A-486C-A8C5-ECC9F3942E4B}">
+                <a14:imgProps xmlns:a14="http://schemas.microsoft.com/office/drawing/2010/main">
+                  <a14:imgLayer r:embed="rId4">
+                    <a14:imgEffect>
+                      <a14:backgroundRemoval t="9794" b="89691" l="5792" r="94788"/>
+                    </a14:imgEffect>
+                  </a14:imgLayer>
+                </a14:imgProps>
+              </a:ext>
+            </a:extLst>
+          </a:blip>
+          <a:stretch>
+            <a:fillRect/>
+          </a:stretch>
+        </p:blipFill>
+        <p:spPr>
+          <a:xfrm>
+            <a:off x="3647092" y="5405000"/>
+            <a:ext cx="1635247" cy="771264"/>
+          </a:xfrm>
+          <a:prstGeom prst="rect">
+            <a:avLst/>
+          </a:prstGeom>
+        </p:spPr>
+      </p:pic>
+      <p:pic>
+        <p:nvPicPr>
+          <p:cNvPr id="28" name="Picture 27"/>
+          <p:cNvPicPr>
+            <a:picLocks noChangeAspect="1"/>
+          </p:cNvPicPr>
+          <p:nvPr/>
+        </p:nvPicPr>
+        <p:blipFill>
+          <a:blip r:embed="rId5">
+            <a:extLst>
+              <a:ext uri="{BEBA8EAE-BF5A-486C-A8C5-ECC9F3942E4B}">
+                <a14:imgProps xmlns:a14="http://schemas.microsoft.com/office/drawing/2010/main">
+                  <a14:imgLayer r:embed="rId6">
+                    <a14:imgEffect>
+                      <a14:backgroundRemoval t="5667" b="95667" l="5167" r="93000"/>
+                    </a14:imgEffect>
+                  </a14:imgLayer>
+                </a14:imgProps>
+              </a:ext>
+            </a:extLst>
+          </a:blip>
+          <a:stretch>
+            <a:fillRect/>
+          </a:stretch>
+        </p:blipFill>
+        <p:spPr>
+          <a:xfrm>
+            <a:off x="6070377" y="4566273"/>
+            <a:ext cx="307357" cy="307357"/>
+          </a:xfrm>
+          <a:prstGeom prst="rect">
+            <a:avLst/>
+          </a:prstGeom>
+        </p:spPr>
+      </p:pic>
+      <p:cxnSp>
+        <p:nvCxnSpPr>
+          <p:cNvPr id="30" name="Straight Arrow Connector 29"/>
+          <p:cNvCxnSpPr/>
+          <p:nvPr/>
+        </p:nvCxnSpPr>
+        <p:spPr>
+          <a:xfrm>
+            <a:off x="1481589" y="3304864"/>
+            <a:ext cx="0" cy="618645"/>
+          </a:xfrm>
+          <a:prstGeom prst="straightConnector1">
+            <a:avLst/>
+          </a:prstGeom>
+          <a:ln>
+            <a:tailEnd type="arrow"/>
+          </a:ln>
+        </p:spPr>
+        <p:style>
+          <a:lnRef idx="2">
+            <a:schemeClr val="dk1"/>
+          </a:lnRef>
+          <a:fillRef idx="0">
+            <a:schemeClr val="dk1"/>
+          </a:fillRef>
+          <a:effectRef idx="1">
+            <a:schemeClr val="dk1"/>
+          </a:effectRef>
+          <a:fontRef idx="minor">
+            <a:schemeClr val="tx1"/>
+          </a:fontRef>
+        </p:style>
+      </p:cxnSp>
+      <p:cxnSp>
+        <p:nvCxnSpPr>
+          <p:cNvPr id="31" name="Straight Arrow Connector 30"/>
+          <p:cNvCxnSpPr/>
+          <p:nvPr/>
+        </p:nvCxnSpPr>
+        <p:spPr>
+          <a:xfrm>
+            <a:off x="2952785" y="3304864"/>
+            <a:ext cx="0" cy="618645"/>
+          </a:xfrm>
+          <a:prstGeom prst="straightConnector1">
+            <a:avLst/>
+          </a:prstGeom>
+          <a:ln>
+            <a:tailEnd type="arrow"/>
+          </a:ln>
+        </p:spPr>
+        <p:style>
+          <a:lnRef idx="2">
+            <a:schemeClr val="dk1"/>
+          </a:lnRef>
+          <a:fillRef idx="0">
+            <a:schemeClr val="dk1"/>
+          </a:fillRef>
+          <a:effectRef idx="1">
+            <a:schemeClr val="dk1"/>
+          </a:effectRef>
+          <a:fontRef idx="minor">
+            <a:schemeClr val="tx1"/>
+          </a:fontRef>
+        </p:style>
+      </p:cxnSp>
+      <p:cxnSp>
+        <p:nvCxnSpPr>
+          <p:cNvPr id="32" name="Straight Arrow Connector 31"/>
+          <p:cNvCxnSpPr/>
+          <p:nvPr/>
+        </p:nvCxnSpPr>
+        <p:spPr>
+          <a:xfrm>
+            <a:off x="4418096" y="3304864"/>
+            <a:ext cx="0" cy="618645"/>
+          </a:xfrm>
+          <a:prstGeom prst="straightConnector1">
+            <a:avLst/>
+          </a:prstGeom>
+          <a:ln>
+            <a:tailEnd type="arrow"/>
+          </a:ln>
+        </p:spPr>
+        <p:style>
+          <a:lnRef idx="2">
+            <a:schemeClr val="dk1"/>
+          </a:lnRef>
+          <a:fillRef idx="0">
+            <a:schemeClr val="dk1"/>
+          </a:fillRef>
+          <a:effectRef idx="1">
+            <a:schemeClr val="dk1"/>
+          </a:effectRef>
+          <a:fontRef idx="minor">
+            <a:schemeClr val="tx1"/>
+          </a:fontRef>
+        </p:style>
+      </p:cxnSp>
+      <p:cxnSp>
+        <p:nvCxnSpPr>
+          <p:cNvPr id="33" name="Straight Arrow Connector 32"/>
+          <p:cNvCxnSpPr/>
+          <p:nvPr/>
+        </p:nvCxnSpPr>
+        <p:spPr>
+          <a:xfrm>
+            <a:off x="5889292" y="3304864"/>
+            <a:ext cx="0" cy="618645"/>
+          </a:xfrm>
+          <a:prstGeom prst="straightConnector1">
+            <a:avLst/>
+          </a:prstGeom>
+          <a:ln>
+            <a:tailEnd type="arrow"/>
+          </a:ln>
+        </p:spPr>
+        <p:style>
+          <a:lnRef idx="2">
+            <a:schemeClr val="dk1"/>
+          </a:lnRef>
+          <a:fillRef idx="0">
+            <a:schemeClr val="dk1"/>
+          </a:fillRef>
+          <a:effectRef idx="1">
+            <a:schemeClr val="dk1"/>
+          </a:effectRef>
+          <a:fontRef idx="minor">
+            <a:schemeClr val="tx1"/>
+          </a:fontRef>
+        </p:style>
+      </p:cxnSp>
+      <p:cxnSp>
+        <p:nvCxnSpPr>
+          <p:cNvPr id="34" name="Straight Arrow Connector 33"/>
+          <p:cNvCxnSpPr/>
+          <p:nvPr/>
+        </p:nvCxnSpPr>
+        <p:spPr>
+          <a:xfrm>
+            <a:off x="7344198" y="3304864"/>
+            <a:ext cx="0" cy="618645"/>
+          </a:xfrm>
+          <a:prstGeom prst="straightConnector1">
+            <a:avLst/>
+          </a:prstGeom>
+          <a:ln>
+            <a:tailEnd type="arrow"/>
+          </a:ln>
+        </p:spPr>
+        <p:style>
+          <a:lnRef idx="2">
+            <a:schemeClr val="dk1"/>
+          </a:lnRef>
+          <a:fillRef idx="0">
+            <a:schemeClr val="dk1"/>
+          </a:fillRef>
+          <a:effectRef idx="1">
+            <a:schemeClr val="dk1"/>
+          </a:effectRef>
+          <a:fontRef idx="minor">
+            <a:schemeClr val="tx1"/>
+          </a:fontRef>
+        </p:style>
+      </p:cxnSp>
+      <p:sp>
+        <p:nvSpPr>
+          <p:cNvPr id="35" name="TextBox 34"/>
+          <p:cNvSpPr txBox="1"/>
+          <p:nvPr/>
+        </p:nvSpPr>
+        <p:spPr>
+          <a:xfrm>
+            <a:off x="2740458" y="3991065"/>
+            <a:ext cx="3355275" cy="307777"/>
+          </a:xfrm>
+          <a:prstGeom prst="rect">
+            <a:avLst/>
+          </a:prstGeom>
+          <a:noFill/>
+        </p:spPr>
+        <p:txBody>
+          <a:bodyPr wrap="square" rtlCol="0">
+            <a:spAutoFit/>
+          </a:bodyPr>
+          <a:lstStyle/>
+          <a:p>
+            <a:pPr algn="ctr"/>
+            <a:r>
+              <a:rPr lang="en-US" sz="1400" dirty="0" smtClean="0">
+                <a:latin typeface="Helvetica"/>
+                <a:cs typeface="Helvetica"/>
+              </a:rPr>
+              <a:t>Kitties move down every x seconds</a:t>
+            </a:r>
+            <a:endParaRPr lang="en-US" sz="1400" dirty="0">
+              <a:latin typeface="Helvetica"/>
+              <a:cs typeface="Helvetica"/>
+            </a:endParaRPr>
+          </a:p>
+        </p:txBody>
+      </p:sp>
+      <p:sp>
+        <p:nvSpPr>
+          <p:cNvPr id="38" name="TextBox 37"/>
+          <p:cNvSpPr txBox="1"/>
+          <p:nvPr/>
+        </p:nvSpPr>
+        <p:spPr>
+          <a:xfrm>
+            <a:off x="358195" y="5209638"/>
+            <a:ext cx="4477359" cy="307777"/>
+          </a:xfrm>
+          <a:prstGeom prst="rect">
+            <a:avLst/>
+          </a:prstGeom>
+          <a:noFill/>
+        </p:spPr>
+        <p:txBody>
+          <a:bodyPr wrap="square" rtlCol="0">
+            <a:spAutoFit/>
+          </a:bodyPr>
+          <a:lstStyle/>
+          <a:p>
+            <a:r>
+              <a:rPr lang="en-US" sz="1400" dirty="0" smtClean="0">
+                <a:latin typeface="Helvetica"/>
+                <a:cs typeface="Helvetica"/>
+              </a:rPr>
+              <a:t>Don’t let the kitties reach the fence!</a:t>
+            </a:r>
+            <a:endParaRPr lang="en-US" sz="1400" dirty="0">
+              <a:latin typeface="Helvetica"/>
+              <a:cs typeface="Helvetica"/>
+            </a:endParaRPr>
+          </a:p>
+        </p:txBody>
+      </p:sp>
+    </p:spTree>
+    <p:extLst>
+      <p:ext uri="{BB962C8B-B14F-4D97-AF65-F5344CB8AC3E}">
+        <p14:creationId xmlns:p14="http://schemas.microsoft.com/office/powerpoint/2010/main" val="2729354336"/>
+      </p:ext>
+    </p:extLst>
+  </p:cSld>
+  <p:clrMapOvr>
+    <a:masterClrMapping/>
+  </p:clrMapOvr>
+  <p:timing>
+    <p:tnLst>
+      <p:par>
+        <p:cTn xmlns:p14="http://schemas.microsoft.com/office/powerpoint/2010/main" id="1" dur="indefinite" restart="never" nodeType="tmRoot"/>
+      </p:par>
+    </p:tnLst>
+  </p:timing>
+</p:sld>
+</file>
+
+<file path=ppt/slides/slide2.xml><?xml version="1.0" encoding="utf-8"?>
 <p:sld xmlns:a="http://schemas.openxmlformats.org/drawingml/2006/main" xmlns:r="http://schemas.openxmlformats.org/officeDocument/2006/relationships" xmlns:p="http://schemas.openxmlformats.org/presentationml/2006/main">
   <p:cSld>
     <p:spTree>
@@ -3533,46 +5251,14 @@
         </p:cxnSp>
         <p:cxnSp>
           <p:nvCxnSpPr>
-            <p:cNvPr id="15" name="Straight Connector 14"/>
-            <p:cNvCxnSpPr>
-              <a:endCxn id="7" idx="3"/>
-            </p:cNvCxnSpPr>
-            <p:nvPr/>
-          </p:nvCxnSpPr>
-          <p:spPr>
-            <a:xfrm flipH="1" flipV="1">
-              <a:off x="3012605" y="2036889"/>
-              <a:ext cx="1256215" cy="2431"/>
-            </a:xfrm>
-            <a:prstGeom prst="line">
-              <a:avLst/>
-            </a:prstGeom>
-          </p:spPr>
-          <p:style>
-            <a:lnRef idx="2">
-              <a:schemeClr val="dk1"/>
-            </a:lnRef>
-            <a:fillRef idx="0">
-              <a:schemeClr val="dk1"/>
-            </a:fillRef>
-            <a:effectRef idx="1">
-              <a:schemeClr val="dk1"/>
-            </a:effectRef>
-            <a:fontRef idx="minor">
-              <a:schemeClr val="tx1"/>
-            </a:fontRef>
-          </p:style>
-        </p:cxnSp>
-        <p:cxnSp>
-          <p:nvCxnSpPr>
             <p:cNvPr id="23" name="Straight Connector 22"/>
             <p:cNvCxnSpPr/>
             <p:nvPr/>
           </p:nvCxnSpPr>
           <p:spPr>
             <a:xfrm flipH="1" flipV="1">
-              <a:off x="4268821" y="2034459"/>
-              <a:ext cx="1214109" cy="2430"/>
+              <a:off x="3012605" y="2034459"/>
+              <a:ext cx="2470326" cy="2430"/>
             </a:xfrm>
             <a:prstGeom prst="line">
               <a:avLst/>
@@ -4896,1724 +6582,6 @@
 </p:sld>
 </file>
 
-<file path=ppt/slides/slide2.xml><?xml version="1.0" encoding="utf-8"?>
-<p:sld xmlns:a="http://schemas.openxmlformats.org/drawingml/2006/main" xmlns:r="http://schemas.openxmlformats.org/officeDocument/2006/relationships" xmlns:p="http://schemas.openxmlformats.org/presentationml/2006/main">
-  <p:cSld>
-    <p:spTree>
-      <p:nvGrpSpPr>
-        <p:cNvPr id="1" name=""/>
-        <p:cNvGrpSpPr/>
-        <p:nvPr/>
-      </p:nvGrpSpPr>
-      <p:grpSpPr>
-        <a:xfrm>
-          <a:off x="0" y="0"/>
-          <a:ext cx="0" cy="0"/>
-          <a:chOff x="0" y="0"/>
-          <a:chExt cx="0" cy="0"/>
-        </a:xfrm>
-      </p:grpSpPr>
-      <p:sp>
-        <p:nvSpPr>
-          <p:cNvPr id="26" name="Rectangle 25"/>
-          <p:cNvSpPr/>
-          <p:nvPr/>
-        </p:nvSpPr>
-        <p:spPr>
-          <a:xfrm>
-            <a:off x="341914" y="751145"/>
-            <a:ext cx="8450003" cy="5712062"/>
-          </a:xfrm>
-          <a:prstGeom prst="rect">
-            <a:avLst/>
-          </a:prstGeom>
-          <a:solidFill>
-            <a:schemeClr val="bg1">
-              <a:lumMod val="85000"/>
-              <a:alpha val="23000"/>
-            </a:schemeClr>
-          </a:solidFill>
-          <a:ln>
-            <a:noFill/>
-          </a:ln>
-        </p:spPr>
-        <p:style>
-          <a:lnRef idx="1">
-            <a:schemeClr val="accent1"/>
-          </a:lnRef>
-          <a:fillRef idx="3">
-            <a:schemeClr val="accent1"/>
-          </a:fillRef>
-          <a:effectRef idx="2">
-            <a:schemeClr val="accent1"/>
-          </a:effectRef>
-          <a:fontRef idx="minor">
-            <a:schemeClr val="lt1"/>
-          </a:fontRef>
-        </p:style>
-        <p:txBody>
-          <a:bodyPr rtlCol="0" anchor="ctr"/>
-          <a:lstStyle/>
-          <a:p>
-            <a:pPr algn="ctr"/>
-            <a:endParaRPr lang="en-US"/>
-          </a:p>
-        </p:txBody>
-      </p:sp>
-      <p:sp>
-        <p:nvSpPr>
-          <p:cNvPr id="4" name="TextBox 3"/>
-          <p:cNvSpPr txBox="1"/>
-          <p:nvPr/>
-        </p:nvSpPr>
-        <p:spPr>
-          <a:xfrm>
-            <a:off x="358195" y="211645"/>
-            <a:ext cx="2767825" cy="523220"/>
-          </a:xfrm>
-          <a:prstGeom prst="rect">
-            <a:avLst/>
-          </a:prstGeom>
-          <a:noFill/>
-        </p:spPr>
-        <p:txBody>
-          <a:bodyPr wrap="square" rtlCol="0">
-            <a:spAutoFit/>
-          </a:bodyPr>
-          <a:lstStyle/>
-          <a:p>
-            <a:r>
-              <a:rPr lang="en-US" sz="2800" dirty="0" smtClean="0">
-                <a:latin typeface="Avenir Black"/>
-                <a:cs typeface="Avenir Black"/>
-              </a:rPr>
-              <a:t>Wireframe</a:t>
-            </a:r>
-            <a:endParaRPr lang="en-US" sz="2800" dirty="0">
-              <a:latin typeface="Avenir Black"/>
-              <a:cs typeface="Avenir Black"/>
-            </a:endParaRPr>
-          </a:p>
-        </p:txBody>
-      </p:sp>
-      <p:sp>
-        <p:nvSpPr>
-          <p:cNvPr id="3" name="TextBox 2"/>
-          <p:cNvSpPr txBox="1"/>
-          <p:nvPr/>
-        </p:nvSpPr>
-        <p:spPr>
-          <a:xfrm>
-            <a:off x="3760986" y="6463444"/>
-            <a:ext cx="1790946" cy="276999"/>
-          </a:xfrm>
-          <a:prstGeom prst="rect">
-            <a:avLst/>
-          </a:prstGeom>
-          <a:noFill/>
-        </p:spPr>
-        <p:txBody>
-          <a:bodyPr wrap="square" rtlCol="0">
-            <a:spAutoFit/>
-          </a:bodyPr>
-          <a:lstStyle/>
-          <a:p>
-            <a:pPr algn="ctr"/>
-            <a:r>
-              <a:rPr lang="en-US" sz="1200" dirty="0" smtClean="0"/>
-              <a:t>720px</a:t>
-            </a:r>
-            <a:endParaRPr lang="en-US" sz="1200" dirty="0"/>
-          </a:p>
-        </p:txBody>
-      </p:sp>
-      <p:sp>
-        <p:nvSpPr>
-          <p:cNvPr id="5" name="TextBox 4"/>
-          <p:cNvSpPr txBox="1"/>
-          <p:nvPr/>
-        </p:nvSpPr>
-        <p:spPr>
-          <a:xfrm rot="16200000">
-            <a:off x="8034944" y="3457501"/>
-            <a:ext cx="1790946" cy="276999"/>
-          </a:xfrm>
-          <a:prstGeom prst="rect">
-            <a:avLst/>
-          </a:prstGeom>
-          <a:noFill/>
-        </p:spPr>
-        <p:txBody>
-          <a:bodyPr wrap="square" rtlCol="0">
-            <a:spAutoFit/>
-          </a:bodyPr>
-          <a:lstStyle/>
-          <a:p>
-            <a:pPr algn="ctr"/>
-            <a:r>
-              <a:rPr lang="en-US" sz="1200" dirty="0" smtClean="0"/>
-              <a:t>480px</a:t>
-            </a:r>
-            <a:endParaRPr lang="en-US" sz="1200" dirty="0"/>
-          </a:p>
-        </p:txBody>
-      </p:sp>
-      <p:sp>
-        <p:nvSpPr>
-          <p:cNvPr id="6" name="Rectangle 5"/>
-          <p:cNvSpPr/>
-          <p:nvPr/>
-        </p:nvSpPr>
-        <p:spPr>
-          <a:xfrm>
-            <a:off x="895473" y="1400090"/>
-            <a:ext cx="1221099" cy="260482"/>
-          </a:xfrm>
-          <a:prstGeom prst="rect">
-            <a:avLst/>
-          </a:prstGeom>
-          <a:solidFill>
-            <a:schemeClr val="accent6">
-              <a:lumMod val="60000"/>
-              <a:lumOff val="40000"/>
-            </a:schemeClr>
-          </a:solidFill>
-          <a:ln>
-            <a:noFill/>
-          </a:ln>
-        </p:spPr>
-        <p:style>
-          <a:lnRef idx="1">
-            <a:schemeClr val="accent1"/>
-          </a:lnRef>
-          <a:fillRef idx="3">
-            <a:schemeClr val="accent1"/>
-          </a:fillRef>
-          <a:effectRef idx="2">
-            <a:schemeClr val="accent1"/>
-          </a:effectRef>
-          <a:fontRef idx="minor">
-            <a:schemeClr val="lt1"/>
-          </a:fontRef>
-        </p:style>
-        <p:txBody>
-          <a:bodyPr rtlCol="0" anchor="ctr"/>
-          <a:lstStyle/>
-          <a:p>
-            <a:pPr algn="ctr"/>
-            <a:r>
-              <a:rPr lang="en-US" sz="1200" dirty="0" smtClean="0">
-                <a:solidFill>
-                  <a:srgbClr val="000000"/>
-                </a:solidFill>
-              </a:rPr>
-              <a:t>Kitty Graphic</a:t>
-            </a:r>
-            <a:endParaRPr lang="en-US" sz="1200" dirty="0">
-              <a:solidFill>
-                <a:srgbClr val="000000"/>
-              </a:solidFill>
-            </a:endParaRPr>
-          </a:p>
-        </p:txBody>
-      </p:sp>
-      <p:sp>
-        <p:nvSpPr>
-          <p:cNvPr id="7" name="Rectangle 6"/>
-          <p:cNvSpPr/>
-          <p:nvPr/>
-        </p:nvSpPr>
-        <p:spPr>
-          <a:xfrm>
-            <a:off x="895473" y="1812972"/>
-            <a:ext cx="1221099" cy="260482"/>
-          </a:xfrm>
-          <a:prstGeom prst="rect">
-            <a:avLst/>
-          </a:prstGeom>
-          <a:solidFill>
-            <a:schemeClr val="accent6">
-              <a:lumMod val="60000"/>
-              <a:lumOff val="40000"/>
-            </a:schemeClr>
-          </a:solidFill>
-          <a:ln>
-            <a:noFill/>
-          </a:ln>
-        </p:spPr>
-        <p:style>
-          <a:lnRef idx="1">
-            <a:schemeClr val="accent1"/>
-          </a:lnRef>
-          <a:fillRef idx="3">
-            <a:schemeClr val="accent1"/>
-          </a:fillRef>
-          <a:effectRef idx="2">
-            <a:schemeClr val="accent1"/>
-          </a:effectRef>
-          <a:fontRef idx="minor">
-            <a:schemeClr val="lt1"/>
-          </a:fontRef>
-        </p:style>
-        <p:txBody>
-          <a:bodyPr rtlCol="0" anchor="ctr"/>
-          <a:lstStyle/>
-          <a:p>
-            <a:pPr algn="ctr"/>
-            <a:r>
-              <a:rPr lang="en-US" sz="1200" dirty="0" smtClean="0">
-                <a:solidFill>
-                  <a:srgbClr val="000000"/>
-                </a:solidFill>
-              </a:rPr>
-              <a:t>Kitty Graphic</a:t>
-            </a:r>
-            <a:endParaRPr lang="en-US" sz="1200" dirty="0">
-              <a:solidFill>
-                <a:srgbClr val="000000"/>
-              </a:solidFill>
-            </a:endParaRPr>
-          </a:p>
-        </p:txBody>
-      </p:sp>
-      <p:sp>
-        <p:nvSpPr>
-          <p:cNvPr id="8" name="Rectangle 7"/>
-          <p:cNvSpPr/>
-          <p:nvPr/>
-        </p:nvSpPr>
-        <p:spPr>
-          <a:xfrm>
-            <a:off x="895473" y="2225854"/>
-            <a:ext cx="1221099" cy="260482"/>
-          </a:xfrm>
-          <a:prstGeom prst="rect">
-            <a:avLst/>
-          </a:prstGeom>
-          <a:solidFill>
-            <a:schemeClr val="accent6">
-              <a:lumMod val="60000"/>
-              <a:lumOff val="40000"/>
-            </a:schemeClr>
-          </a:solidFill>
-          <a:ln>
-            <a:noFill/>
-          </a:ln>
-        </p:spPr>
-        <p:style>
-          <a:lnRef idx="1">
-            <a:schemeClr val="accent1"/>
-          </a:lnRef>
-          <a:fillRef idx="3">
-            <a:schemeClr val="accent1"/>
-          </a:fillRef>
-          <a:effectRef idx="2">
-            <a:schemeClr val="accent1"/>
-          </a:effectRef>
-          <a:fontRef idx="minor">
-            <a:schemeClr val="lt1"/>
-          </a:fontRef>
-        </p:style>
-        <p:txBody>
-          <a:bodyPr rtlCol="0" anchor="ctr"/>
-          <a:lstStyle/>
-          <a:p>
-            <a:pPr algn="ctr"/>
-            <a:r>
-              <a:rPr lang="en-US" sz="1200" dirty="0" smtClean="0">
-                <a:solidFill>
-                  <a:srgbClr val="000000"/>
-                </a:solidFill>
-              </a:rPr>
-              <a:t>Kitty Graphic</a:t>
-            </a:r>
-            <a:endParaRPr lang="en-US" sz="1200" dirty="0">
-              <a:solidFill>
-                <a:srgbClr val="000000"/>
-              </a:solidFill>
-            </a:endParaRPr>
-          </a:p>
-        </p:txBody>
-      </p:sp>
-      <p:sp>
-        <p:nvSpPr>
-          <p:cNvPr id="9" name="Rectangle 8"/>
-          <p:cNvSpPr/>
-          <p:nvPr/>
-        </p:nvSpPr>
-        <p:spPr>
-          <a:xfrm>
-            <a:off x="895473" y="2667967"/>
-            <a:ext cx="1221099" cy="260482"/>
-          </a:xfrm>
-          <a:prstGeom prst="rect">
-            <a:avLst/>
-          </a:prstGeom>
-          <a:solidFill>
-            <a:schemeClr val="accent6">
-              <a:lumMod val="60000"/>
-              <a:lumOff val="40000"/>
-            </a:schemeClr>
-          </a:solidFill>
-          <a:ln>
-            <a:noFill/>
-          </a:ln>
-        </p:spPr>
-        <p:style>
-          <a:lnRef idx="1">
-            <a:schemeClr val="accent1"/>
-          </a:lnRef>
-          <a:fillRef idx="3">
-            <a:schemeClr val="accent1"/>
-          </a:fillRef>
-          <a:effectRef idx="2">
-            <a:schemeClr val="accent1"/>
-          </a:effectRef>
-          <a:fontRef idx="minor">
-            <a:schemeClr val="lt1"/>
-          </a:fontRef>
-        </p:style>
-        <p:txBody>
-          <a:bodyPr rtlCol="0" anchor="ctr"/>
-          <a:lstStyle/>
-          <a:p>
-            <a:pPr algn="ctr"/>
-            <a:r>
-              <a:rPr lang="en-US" sz="1200" dirty="0" smtClean="0">
-                <a:solidFill>
-                  <a:srgbClr val="000000"/>
-                </a:solidFill>
-              </a:rPr>
-              <a:t>Kitty Graphic</a:t>
-            </a:r>
-            <a:endParaRPr lang="en-US" sz="1200" dirty="0">
-              <a:solidFill>
-                <a:srgbClr val="000000"/>
-              </a:solidFill>
-            </a:endParaRPr>
-          </a:p>
-        </p:txBody>
-      </p:sp>
-      <p:sp>
-        <p:nvSpPr>
-          <p:cNvPr id="10" name="Rectangle 9"/>
-          <p:cNvSpPr/>
-          <p:nvPr/>
-        </p:nvSpPr>
-        <p:spPr>
-          <a:xfrm>
-            <a:off x="2350378" y="1403997"/>
-            <a:ext cx="1221099" cy="260482"/>
-          </a:xfrm>
-          <a:prstGeom prst="rect">
-            <a:avLst/>
-          </a:prstGeom>
-          <a:solidFill>
-            <a:schemeClr val="accent6">
-              <a:lumMod val="60000"/>
-              <a:lumOff val="40000"/>
-            </a:schemeClr>
-          </a:solidFill>
-          <a:ln>
-            <a:noFill/>
-          </a:ln>
-        </p:spPr>
-        <p:style>
-          <a:lnRef idx="1">
-            <a:schemeClr val="accent1"/>
-          </a:lnRef>
-          <a:fillRef idx="3">
-            <a:schemeClr val="accent1"/>
-          </a:fillRef>
-          <a:effectRef idx="2">
-            <a:schemeClr val="accent1"/>
-          </a:effectRef>
-          <a:fontRef idx="minor">
-            <a:schemeClr val="lt1"/>
-          </a:fontRef>
-        </p:style>
-        <p:txBody>
-          <a:bodyPr rtlCol="0" anchor="ctr"/>
-          <a:lstStyle/>
-          <a:p>
-            <a:pPr algn="ctr"/>
-            <a:r>
-              <a:rPr lang="en-US" sz="1200" dirty="0" smtClean="0">
-                <a:solidFill>
-                  <a:srgbClr val="000000"/>
-                </a:solidFill>
-              </a:rPr>
-              <a:t>Kitty Graphic</a:t>
-            </a:r>
-            <a:endParaRPr lang="en-US" sz="1200" dirty="0">
-              <a:solidFill>
-                <a:srgbClr val="000000"/>
-              </a:solidFill>
-            </a:endParaRPr>
-          </a:p>
-        </p:txBody>
-      </p:sp>
-      <p:sp>
-        <p:nvSpPr>
-          <p:cNvPr id="11" name="Rectangle 10"/>
-          <p:cNvSpPr/>
-          <p:nvPr/>
-        </p:nvSpPr>
-        <p:spPr>
-          <a:xfrm>
-            <a:off x="2350378" y="1816879"/>
-            <a:ext cx="1221099" cy="260482"/>
-          </a:xfrm>
-          <a:prstGeom prst="rect">
-            <a:avLst/>
-          </a:prstGeom>
-          <a:solidFill>
-            <a:schemeClr val="accent6">
-              <a:lumMod val="60000"/>
-              <a:lumOff val="40000"/>
-            </a:schemeClr>
-          </a:solidFill>
-          <a:ln>
-            <a:noFill/>
-          </a:ln>
-        </p:spPr>
-        <p:style>
-          <a:lnRef idx="1">
-            <a:schemeClr val="accent1"/>
-          </a:lnRef>
-          <a:fillRef idx="3">
-            <a:schemeClr val="accent1"/>
-          </a:fillRef>
-          <a:effectRef idx="2">
-            <a:schemeClr val="accent1"/>
-          </a:effectRef>
-          <a:fontRef idx="minor">
-            <a:schemeClr val="lt1"/>
-          </a:fontRef>
-        </p:style>
-        <p:txBody>
-          <a:bodyPr rtlCol="0" anchor="ctr"/>
-          <a:lstStyle/>
-          <a:p>
-            <a:pPr algn="ctr"/>
-            <a:r>
-              <a:rPr lang="en-US" sz="1200" dirty="0" smtClean="0">
-                <a:solidFill>
-                  <a:srgbClr val="000000"/>
-                </a:solidFill>
-              </a:rPr>
-              <a:t>Kitty Graphic</a:t>
-            </a:r>
-            <a:endParaRPr lang="en-US" sz="1200" dirty="0">
-              <a:solidFill>
-                <a:srgbClr val="000000"/>
-              </a:solidFill>
-            </a:endParaRPr>
-          </a:p>
-        </p:txBody>
-      </p:sp>
-      <p:sp>
-        <p:nvSpPr>
-          <p:cNvPr id="12" name="Rectangle 11"/>
-          <p:cNvSpPr/>
-          <p:nvPr/>
-        </p:nvSpPr>
-        <p:spPr>
-          <a:xfrm>
-            <a:off x="2350378" y="2229761"/>
-            <a:ext cx="1221099" cy="260482"/>
-          </a:xfrm>
-          <a:prstGeom prst="rect">
-            <a:avLst/>
-          </a:prstGeom>
-          <a:solidFill>
-            <a:schemeClr val="accent6">
-              <a:lumMod val="60000"/>
-              <a:lumOff val="40000"/>
-            </a:schemeClr>
-          </a:solidFill>
-          <a:ln>
-            <a:noFill/>
-          </a:ln>
-        </p:spPr>
-        <p:style>
-          <a:lnRef idx="1">
-            <a:schemeClr val="accent1"/>
-          </a:lnRef>
-          <a:fillRef idx="3">
-            <a:schemeClr val="accent1"/>
-          </a:fillRef>
-          <a:effectRef idx="2">
-            <a:schemeClr val="accent1"/>
-          </a:effectRef>
-          <a:fontRef idx="minor">
-            <a:schemeClr val="lt1"/>
-          </a:fontRef>
-        </p:style>
-        <p:txBody>
-          <a:bodyPr rtlCol="0" anchor="ctr"/>
-          <a:lstStyle/>
-          <a:p>
-            <a:pPr algn="ctr"/>
-            <a:r>
-              <a:rPr lang="en-US" sz="1200" dirty="0" smtClean="0">
-                <a:solidFill>
-                  <a:srgbClr val="000000"/>
-                </a:solidFill>
-              </a:rPr>
-              <a:t>Kitty Graphic</a:t>
-            </a:r>
-            <a:endParaRPr lang="en-US" sz="1200" dirty="0">
-              <a:solidFill>
-                <a:srgbClr val="000000"/>
-              </a:solidFill>
-            </a:endParaRPr>
-          </a:p>
-        </p:txBody>
-      </p:sp>
-      <p:sp>
-        <p:nvSpPr>
-          <p:cNvPr id="13" name="Rectangle 12"/>
-          <p:cNvSpPr/>
-          <p:nvPr/>
-        </p:nvSpPr>
-        <p:spPr>
-          <a:xfrm>
-            <a:off x="2350378" y="2671874"/>
-            <a:ext cx="1221099" cy="260482"/>
-          </a:xfrm>
-          <a:prstGeom prst="rect">
-            <a:avLst/>
-          </a:prstGeom>
-          <a:solidFill>
-            <a:schemeClr val="accent6">
-              <a:lumMod val="60000"/>
-              <a:lumOff val="40000"/>
-            </a:schemeClr>
-          </a:solidFill>
-          <a:ln>
-            <a:noFill/>
-          </a:ln>
-        </p:spPr>
-        <p:style>
-          <a:lnRef idx="1">
-            <a:schemeClr val="accent1"/>
-          </a:lnRef>
-          <a:fillRef idx="3">
-            <a:schemeClr val="accent1"/>
-          </a:fillRef>
-          <a:effectRef idx="2">
-            <a:schemeClr val="accent1"/>
-          </a:effectRef>
-          <a:fontRef idx="minor">
-            <a:schemeClr val="lt1"/>
-          </a:fontRef>
-        </p:style>
-        <p:txBody>
-          <a:bodyPr rtlCol="0" anchor="ctr"/>
-          <a:lstStyle/>
-          <a:p>
-            <a:pPr algn="ctr"/>
-            <a:r>
-              <a:rPr lang="en-US" sz="1200" dirty="0" smtClean="0">
-                <a:solidFill>
-                  <a:srgbClr val="000000"/>
-                </a:solidFill>
-              </a:rPr>
-              <a:t>Kitty Graphic</a:t>
-            </a:r>
-            <a:endParaRPr lang="en-US" sz="1200" dirty="0">
-              <a:solidFill>
-                <a:srgbClr val="000000"/>
-              </a:solidFill>
-            </a:endParaRPr>
-          </a:p>
-        </p:txBody>
-      </p:sp>
-      <p:sp>
-        <p:nvSpPr>
-          <p:cNvPr id="14" name="Rectangle 13"/>
-          <p:cNvSpPr/>
-          <p:nvPr/>
-        </p:nvSpPr>
-        <p:spPr>
-          <a:xfrm>
-            <a:off x="3811150" y="1400090"/>
-            <a:ext cx="1221099" cy="260482"/>
-          </a:xfrm>
-          <a:prstGeom prst="rect">
-            <a:avLst/>
-          </a:prstGeom>
-          <a:solidFill>
-            <a:schemeClr val="accent6">
-              <a:lumMod val="60000"/>
-              <a:lumOff val="40000"/>
-            </a:schemeClr>
-          </a:solidFill>
-          <a:ln>
-            <a:noFill/>
-          </a:ln>
-        </p:spPr>
-        <p:style>
-          <a:lnRef idx="1">
-            <a:schemeClr val="accent1"/>
-          </a:lnRef>
-          <a:fillRef idx="3">
-            <a:schemeClr val="accent1"/>
-          </a:fillRef>
-          <a:effectRef idx="2">
-            <a:schemeClr val="accent1"/>
-          </a:effectRef>
-          <a:fontRef idx="minor">
-            <a:schemeClr val="lt1"/>
-          </a:fontRef>
-        </p:style>
-        <p:txBody>
-          <a:bodyPr rtlCol="0" anchor="ctr"/>
-          <a:lstStyle/>
-          <a:p>
-            <a:pPr algn="ctr"/>
-            <a:r>
-              <a:rPr lang="en-US" sz="1200" dirty="0" smtClean="0">
-                <a:solidFill>
-                  <a:srgbClr val="000000"/>
-                </a:solidFill>
-              </a:rPr>
-              <a:t>Kitty Graphic</a:t>
-            </a:r>
-            <a:endParaRPr lang="en-US" sz="1200" dirty="0">
-              <a:solidFill>
-                <a:srgbClr val="000000"/>
-              </a:solidFill>
-            </a:endParaRPr>
-          </a:p>
-        </p:txBody>
-      </p:sp>
-      <p:sp>
-        <p:nvSpPr>
-          <p:cNvPr id="15" name="Rectangle 14"/>
-          <p:cNvSpPr/>
-          <p:nvPr/>
-        </p:nvSpPr>
-        <p:spPr>
-          <a:xfrm>
-            <a:off x="3811150" y="1812972"/>
-            <a:ext cx="1221099" cy="260482"/>
-          </a:xfrm>
-          <a:prstGeom prst="rect">
-            <a:avLst/>
-          </a:prstGeom>
-          <a:solidFill>
-            <a:schemeClr val="accent6">
-              <a:lumMod val="60000"/>
-              <a:lumOff val="40000"/>
-            </a:schemeClr>
-          </a:solidFill>
-          <a:ln>
-            <a:noFill/>
-          </a:ln>
-        </p:spPr>
-        <p:style>
-          <a:lnRef idx="1">
-            <a:schemeClr val="accent1"/>
-          </a:lnRef>
-          <a:fillRef idx="3">
-            <a:schemeClr val="accent1"/>
-          </a:fillRef>
-          <a:effectRef idx="2">
-            <a:schemeClr val="accent1"/>
-          </a:effectRef>
-          <a:fontRef idx="minor">
-            <a:schemeClr val="lt1"/>
-          </a:fontRef>
-        </p:style>
-        <p:txBody>
-          <a:bodyPr rtlCol="0" anchor="ctr"/>
-          <a:lstStyle/>
-          <a:p>
-            <a:pPr algn="ctr"/>
-            <a:r>
-              <a:rPr lang="en-US" sz="1200" dirty="0" smtClean="0">
-                <a:solidFill>
-                  <a:srgbClr val="000000"/>
-                </a:solidFill>
-              </a:rPr>
-              <a:t>Kitty Graphic</a:t>
-            </a:r>
-            <a:endParaRPr lang="en-US" sz="1200" dirty="0">
-              <a:solidFill>
-                <a:srgbClr val="000000"/>
-              </a:solidFill>
-            </a:endParaRPr>
-          </a:p>
-        </p:txBody>
-      </p:sp>
-      <p:sp>
-        <p:nvSpPr>
-          <p:cNvPr id="16" name="Rectangle 15"/>
-          <p:cNvSpPr/>
-          <p:nvPr/>
-        </p:nvSpPr>
-        <p:spPr>
-          <a:xfrm>
-            <a:off x="3811150" y="2225854"/>
-            <a:ext cx="1221099" cy="260482"/>
-          </a:xfrm>
-          <a:prstGeom prst="rect">
-            <a:avLst/>
-          </a:prstGeom>
-          <a:solidFill>
-            <a:schemeClr val="accent6">
-              <a:lumMod val="60000"/>
-              <a:lumOff val="40000"/>
-            </a:schemeClr>
-          </a:solidFill>
-          <a:ln>
-            <a:noFill/>
-          </a:ln>
-        </p:spPr>
-        <p:style>
-          <a:lnRef idx="1">
-            <a:schemeClr val="accent1"/>
-          </a:lnRef>
-          <a:fillRef idx="3">
-            <a:schemeClr val="accent1"/>
-          </a:fillRef>
-          <a:effectRef idx="2">
-            <a:schemeClr val="accent1"/>
-          </a:effectRef>
-          <a:fontRef idx="minor">
-            <a:schemeClr val="lt1"/>
-          </a:fontRef>
-        </p:style>
-        <p:txBody>
-          <a:bodyPr rtlCol="0" anchor="ctr"/>
-          <a:lstStyle/>
-          <a:p>
-            <a:pPr algn="ctr"/>
-            <a:r>
-              <a:rPr lang="en-US" sz="1200" dirty="0" smtClean="0">
-                <a:solidFill>
-                  <a:srgbClr val="000000"/>
-                </a:solidFill>
-              </a:rPr>
-              <a:t>Kitty Graphic</a:t>
-            </a:r>
-            <a:endParaRPr lang="en-US" sz="1200" dirty="0">
-              <a:solidFill>
-                <a:srgbClr val="000000"/>
-              </a:solidFill>
-            </a:endParaRPr>
-          </a:p>
-        </p:txBody>
-      </p:sp>
-      <p:sp>
-        <p:nvSpPr>
-          <p:cNvPr id="17" name="Rectangle 16"/>
-          <p:cNvSpPr/>
-          <p:nvPr/>
-        </p:nvSpPr>
-        <p:spPr>
-          <a:xfrm>
-            <a:off x="3811150" y="2667967"/>
-            <a:ext cx="1221099" cy="260482"/>
-          </a:xfrm>
-          <a:prstGeom prst="rect">
-            <a:avLst/>
-          </a:prstGeom>
-          <a:solidFill>
-            <a:schemeClr val="accent6">
-              <a:lumMod val="60000"/>
-              <a:lumOff val="40000"/>
-            </a:schemeClr>
-          </a:solidFill>
-          <a:ln>
-            <a:noFill/>
-          </a:ln>
-        </p:spPr>
-        <p:style>
-          <a:lnRef idx="1">
-            <a:schemeClr val="accent1"/>
-          </a:lnRef>
-          <a:fillRef idx="3">
-            <a:schemeClr val="accent1"/>
-          </a:fillRef>
-          <a:effectRef idx="2">
-            <a:schemeClr val="accent1"/>
-          </a:effectRef>
-          <a:fontRef idx="minor">
-            <a:schemeClr val="lt1"/>
-          </a:fontRef>
-        </p:style>
-        <p:txBody>
-          <a:bodyPr rtlCol="0" anchor="ctr"/>
-          <a:lstStyle/>
-          <a:p>
-            <a:pPr algn="ctr"/>
-            <a:r>
-              <a:rPr lang="en-US" sz="1200" dirty="0" smtClean="0">
-                <a:solidFill>
-                  <a:srgbClr val="000000"/>
-                </a:solidFill>
-              </a:rPr>
-              <a:t>Kitty Graphic</a:t>
-            </a:r>
-            <a:endParaRPr lang="en-US" sz="1200" dirty="0">
-              <a:solidFill>
-                <a:srgbClr val="000000"/>
-              </a:solidFill>
-            </a:endParaRPr>
-          </a:p>
-        </p:txBody>
-      </p:sp>
-      <p:sp>
-        <p:nvSpPr>
-          <p:cNvPr id="18" name="Rectangle 17"/>
-          <p:cNvSpPr/>
-          <p:nvPr/>
-        </p:nvSpPr>
-        <p:spPr>
-          <a:xfrm>
-            <a:off x="5238041" y="1411811"/>
-            <a:ext cx="1221099" cy="260482"/>
-          </a:xfrm>
-          <a:prstGeom prst="rect">
-            <a:avLst/>
-          </a:prstGeom>
-          <a:solidFill>
-            <a:schemeClr val="accent6">
-              <a:lumMod val="60000"/>
-              <a:lumOff val="40000"/>
-            </a:schemeClr>
-          </a:solidFill>
-          <a:ln>
-            <a:noFill/>
-          </a:ln>
-        </p:spPr>
-        <p:style>
-          <a:lnRef idx="1">
-            <a:schemeClr val="accent1"/>
-          </a:lnRef>
-          <a:fillRef idx="3">
-            <a:schemeClr val="accent1"/>
-          </a:fillRef>
-          <a:effectRef idx="2">
-            <a:schemeClr val="accent1"/>
-          </a:effectRef>
-          <a:fontRef idx="minor">
-            <a:schemeClr val="lt1"/>
-          </a:fontRef>
-        </p:style>
-        <p:txBody>
-          <a:bodyPr rtlCol="0" anchor="ctr"/>
-          <a:lstStyle/>
-          <a:p>
-            <a:pPr algn="ctr"/>
-            <a:r>
-              <a:rPr lang="en-US" sz="1200" dirty="0" smtClean="0">
-                <a:solidFill>
-                  <a:srgbClr val="000000"/>
-                </a:solidFill>
-              </a:rPr>
-              <a:t>Kitty Graphic</a:t>
-            </a:r>
-            <a:endParaRPr lang="en-US" sz="1200" dirty="0">
-              <a:solidFill>
-                <a:srgbClr val="000000"/>
-              </a:solidFill>
-            </a:endParaRPr>
-          </a:p>
-        </p:txBody>
-      </p:sp>
-      <p:sp>
-        <p:nvSpPr>
-          <p:cNvPr id="19" name="Rectangle 18"/>
-          <p:cNvSpPr/>
-          <p:nvPr/>
-        </p:nvSpPr>
-        <p:spPr>
-          <a:xfrm>
-            <a:off x="5238041" y="1824693"/>
-            <a:ext cx="1221099" cy="260482"/>
-          </a:xfrm>
-          <a:prstGeom prst="rect">
-            <a:avLst/>
-          </a:prstGeom>
-          <a:solidFill>
-            <a:schemeClr val="accent6">
-              <a:lumMod val="60000"/>
-              <a:lumOff val="40000"/>
-            </a:schemeClr>
-          </a:solidFill>
-          <a:ln>
-            <a:noFill/>
-          </a:ln>
-        </p:spPr>
-        <p:style>
-          <a:lnRef idx="1">
-            <a:schemeClr val="accent1"/>
-          </a:lnRef>
-          <a:fillRef idx="3">
-            <a:schemeClr val="accent1"/>
-          </a:fillRef>
-          <a:effectRef idx="2">
-            <a:schemeClr val="accent1"/>
-          </a:effectRef>
-          <a:fontRef idx="minor">
-            <a:schemeClr val="lt1"/>
-          </a:fontRef>
-        </p:style>
-        <p:txBody>
-          <a:bodyPr rtlCol="0" anchor="ctr"/>
-          <a:lstStyle/>
-          <a:p>
-            <a:pPr algn="ctr"/>
-            <a:r>
-              <a:rPr lang="en-US" sz="1200" dirty="0" smtClean="0">
-                <a:solidFill>
-                  <a:srgbClr val="000000"/>
-                </a:solidFill>
-              </a:rPr>
-              <a:t>Kitty Graphic</a:t>
-            </a:r>
-            <a:endParaRPr lang="en-US" sz="1200" dirty="0">
-              <a:solidFill>
-                <a:srgbClr val="000000"/>
-              </a:solidFill>
-            </a:endParaRPr>
-          </a:p>
-        </p:txBody>
-      </p:sp>
-      <p:sp>
-        <p:nvSpPr>
-          <p:cNvPr id="20" name="Rectangle 19"/>
-          <p:cNvSpPr/>
-          <p:nvPr/>
-        </p:nvSpPr>
-        <p:spPr>
-          <a:xfrm>
-            <a:off x="5238041" y="2237575"/>
-            <a:ext cx="1221099" cy="260482"/>
-          </a:xfrm>
-          <a:prstGeom prst="rect">
-            <a:avLst/>
-          </a:prstGeom>
-          <a:solidFill>
-            <a:schemeClr val="accent6">
-              <a:lumMod val="60000"/>
-              <a:lumOff val="40000"/>
-            </a:schemeClr>
-          </a:solidFill>
-          <a:ln>
-            <a:noFill/>
-          </a:ln>
-        </p:spPr>
-        <p:style>
-          <a:lnRef idx="1">
-            <a:schemeClr val="accent1"/>
-          </a:lnRef>
-          <a:fillRef idx="3">
-            <a:schemeClr val="accent1"/>
-          </a:fillRef>
-          <a:effectRef idx="2">
-            <a:schemeClr val="accent1"/>
-          </a:effectRef>
-          <a:fontRef idx="minor">
-            <a:schemeClr val="lt1"/>
-          </a:fontRef>
-        </p:style>
-        <p:txBody>
-          <a:bodyPr rtlCol="0" anchor="ctr"/>
-          <a:lstStyle/>
-          <a:p>
-            <a:pPr algn="ctr"/>
-            <a:r>
-              <a:rPr lang="en-US" sz="1200" dirty="0" smtClean="0">
-                <a:solidFill>
-                  <a:srgbClr val="000000"/>
-                </a:solidFill>
-              </a:rPr>
-              <a:t>Kitty Graphic</a:t>
-            </a:r>
-            <a:endParaRPr lang="en-US" sz="1200" dirty="0">
-              <a:solidFill>
-                <a:srgbClr val="000000"/>
-              </a:solidFill>
-            </a:endParaRPr>
-          </a:p>
-        </p:txBody>
-      </p:sp>
-      <p:sp>
-        <p:nvSpPr>
-          <p:cNvPr id="21" name="Rectangle 20"/>
-          <p:cNvSpPr/>
-          <p:nvPr/>
-        </p:nvSpPr>
-        <p:spPr>
-          <a:xfrm>
-            <a:off x="5238041" y="2679688"/>
-            <a:ext cx="1221099" cy="260482"/>
-          </a:xfrm>
-          <a:prstGeom prst="rect">
-            <a:avLst/>
-          </a:prstGeom>
-          <a:solidFill>
-            <a:schemeClr val="accent6">
-              <a:lumMod val="60000"/>
-              <a:lumOff val="40000"/>
-            </a:schemeClr>
-          </a:solidFill>
-          <a:ln>
-            <a:noFill/>
-          </a:ln>
-        </p:spPr>
-        <p:style>
-          <a:lnRef idx="1">
-            <a:schemeClr val="accent1"/>
-          </a:lnRef>
-          <a:fillRef idx="3">
-            <a:schemeClr val="accent1"/>
-          </a:fillRef>
-          <a:effectRef idx="2">
-            <a:schemeClr val="accent1"/>
-          </a:effectRef>
-          <a:fontRef idx="minor">
-            <a:schemeClr val="lt1"/>
-          </a:fontRef>
-        </p:style>
-        <p:txBody>
-          <a:bodyPr rtlCol="0" anchor="ctr"/>
-          <a:lstStyle/>
-          <a:p>
-            <a:pPr algn="ctr"/>
-            <a:r>
-              <a:rPr lang="en-US" sz="1200" dirty="0" smtClean="0">
-                <a:solidFill>
-                  <a:srgbClr val="000000"/>
-                </a:solidFill>
-              </a:rPr>
-              <a:t>Kitty Graphic</a:t>
-            </a:r>
-            <a:endParaRPr lang="en-US" sz="1200" dirty="0">
-              <a:solidFill>
-                <a:srgbClr val="000000"/>
-              </a:solidFill>
-            </a:endParaRPr>
-          </a:p>
-        </p:txBody>
-      </p:sp>
-      <p:sp>
-        <p:nvSpPr>
-          <p:cNvPr id="22" name="Rectangle 21"/>
-          <p:cNvSpPr/>
-          <p:nvPr/>
-        </p:nvSpPr>
-        <p:spPr>
-          <a:xfrm>
-            <a:off x="6741791" y="1400090"/>
-            <a:ext cx="1221099" cy="260482"/>
-          </a:xfrm>
-          <a:prstGeom prst="rect">
-            <a:avLst/>
-          </a:prstGeom>
-          <a:solidFill>
-            <a:schemeClr val="accent6">
-              <a:lumMod val="60000"/>
-              <a:lumOff val="40000"/>
-            </a:schemeClr>
-          </a:solidFill>
-          <a:ln>
-            <a:noFill/>
-          </a:ln>
-        </p:spPr>
-        <p:style>
-          <a:lnRef idx="1">
-            <a:schemeClr val="accent1"/>
-          </a:lnRef>
-          <a:fillRef idx="3">
-            <a:schemeClr val="accent1"/>
-          </a:fillRef>
-          <a:effectRef idx="2">
-            <a:schemeClr val="accent1"/>
-          </a:effectRef>
-          <a:fontRef idx="minor">
-            <a:schemeClr val="lt1"/>
-          </a:fontRef>
-        </p:style>
-        <p:txBody>
-          <a:bodyPr rtlCol="0" anchor="ctr"/>
-          <a:lstStyle/>
-          <a:p>
-            <a:pPr algn="ctr"/>
-            <a:r>
-              <a:rPr lang="en-US" sz="1200" dirty="0" smtClean="0">
-                <a:solidFill>
-                  <a:srgbClr val="000000"/>
-                </a:solidFill>
-              </a:rPr>
-              <a:t>Kitty Graphic</a:t>
-            </a:r>
-            <a:endParaRPr lang="en-US" sz="1200" dirty="0">
-              <a:solidFill>
-                <a:srgbClr val="000000"/>
-              </a:solidFill>
-            </a:endParaRPr>
-          </a:p>
-        </p:txBody>
-      </p:sp>
-      <p:sp>
-        <p:nvSpPr>
-          <p:cNvPr id="23" name="Rectangle 22"/>
-          <p:cNvSpPr/>
-          <p:nvPr/>
-        </p:nvSpPr>
-        <p:spPr>
-          <a:xfrm>
-            <a:off x="6741791" y="1812972"/>
-            <a:ext cx="1221099" cy="260482"/>
-          </a:xfrm>
-          <a:prstGeom prst="rect">
-            <a:avLst/>
-          </a:prstGeom>
-          <a:solidFill>
-            <a:schemeClr val="accent6">
-              <a:lumMod val="60000"/>
-              <a:lumOff val="40000"/>
-            </a:schemeClr>
-          </a:solidFill>
-          <a:ln>
-            <a:noFill/>
-          </a:ln>
-        </p:spPr>
-        <p:style>
-          <a:lnRef idx="1">
-            <a:schemeClr val="accent1"/>
-          </a:lnRef>
-          <a:fillRef idx="3">
-            <a:schemeClr val="accent1"/>
-          </a:fillRef>
-          <a:effectRef idx="2">
-            <a:schemeClr val="accent1"/>
-          </a:effectRef>
-          <a:fontRef idx="minor">
-            <a:schemeClr val="lt1"/>
-          </a:fontRef>
-        </p:style>
-        <p:txBody>
-          <a:bodyPr rtlCol="0" anchor="ctr"/>
-          <a:lstStyle/>
-          <a:p>
-            <a:pPr algn="ctr"/>
-            <a:r>
-              <a:rPr lang="en-US" sz="1200" dirty="0" smtClean="0">
-                <a:solidFill>
-                  <a:srgbClr val="000000"/>
-                </a:solidFill>
-              </a:rPr>
-              <a:t>Kitty Graphic</a:t>
-            </a:r>
-            <a:endParaRPr lang="en-US" sz="1200" dirty="0">
-              <a:solidFill>
-                <a:srgbClr val="000000"/>
-              </a:solidFill>
-            </a:endParaRPr>
-          </a:p>
-        </p:txBody>
-      </p:sp>
-      <p:sp>
-        <p:nvSpPr>
-          <p:cNvPr id="24" name="Rectangle 23"/>
-          <p:cNvSpPr/>
-          <p:nvPr/>
-        </p:nvSpPr>
-        <p:spPr>
-          <a:xfrm>
-            <a:off x="6741791" y="2225854"/>
-            <a:ext cx="1221099" cy="260482"/>
-          </a:xfrm>
-          <a:prstGeom prst="rect">
-            <a:avLst/>
-          </a:prstGeom>
-          <a:solidFill>
-            <a:schemeClr val="accent6">
-              <a:lumMod val="60000"/>
-              <a:lumOff val="40000"/>
-            </a:schemeClr>
-          </a:solidFill>
-          <a:ln>
-            <a:noFill/>
-          </a:ln>
-        </p:spPr>
-        <p:style>
-          <a:lnRef idx="1">
-            <a:schemeClr val="accent1"/>
-          </a:lnRef>
-          <a:fillRef idx="3">
-            <a:schemeClr val="accent1"/>
-          </a:fillRef>
-          <a:effectRef idx="2">
-            <a:schemeClr val="accent1"/>
-          </a:effectRef>
-          <a:fontRef idx="minor">
-            <a:schemeClr val="lt1"/>
-          </a:fontRef>
-        </p:style>
-        <p:txBody>
-          <a:bodyPr rtlCol="0" anchor="ctr"/>
-          <a:lstStyle/>
-          <a:p>
-            <a:pPr algn="ctr"/>
-            <a:r>
-              <a:rPr lang="en-US" sz="1200" dirty="0" smtClean="0">
-                <a:solidFill>
-                  <a:srgbClr val="000000"/>
-                </a:solidFill>
-              </a:rPr>
-              <a:t>Kitty Graphic</a:t>
-            </a:r>
-            <a:endParaRPr lang="en-US" sz="1200" dirty="0">
-              <a:solidFill>
-                <a:srgbClr val="000000"/>
-              </a:solidFill>
-            </a:endParaRPr>
-          </a:p>
-        </p:txBody>
-      </p:sp>
-      <p:sp>
-        <p:nvSpPr>
-          <p:cNvPr id="25" name="Rectangle 24"/>
-          <p:cNvSpPr/>
-          <p:nvPr/>
-        </p:nvSpPr>
-        <p:spPr>
-          <a:xfrm>
-            <a:off x="6741791" y="2667967"/>
-            <a:ext cx="1221099" cy="260482"/>
-          </a:xfrm>
-          <a:prstGeom prst="rect">
-            <a:avLst/>
-          </a:prstGeom>
-          <a:solidFill>
-            <a:schemeClr val="accent6">
-              <a:lumMod val="60000"/>
-              <a:lumOff val="40000"/>
-            </a:schemeClr>
-          </a:solidFill>
-          <a:ln>
-            <a:noFill/>
-          </a:ln>
-        </p:spPr>
-        <p:style>
-          <a:lnRef idx="1">
-            <a:schemeClr val="accent1"/>
-          </a:lnRef>
-          <a:fillRef idx="3">
-            <a:schemeClr val="accent1"/>
-          </a:fillRef>
-          <a:effectRef idx="2">
-            <a:schemeClr val="accent1"/>
-          </a:effectRef>
-          <a:fontRef idx="minor">
-            <a:schemeClr val="lt1"/>
-          </a:fontRef>
-        </p:style>
-        <p:txBody>
-          <a:bodyPr rtlCol="0" anchor="ctr"/>
-          <a:lstStyle/>
-          <a:p>
-            <a:pPr algn="ctr"/>
-            <a:r>
-              <a:rPr lang="en-US" sz="1200" dirty="0" smtClean="0">
-                <a:solidFill>
-                  <a:srgbClr val="000000"/>
-                </a:solidFill>
-              </a:rPr>
-              <a:t>Kitty Graphic</a:t>
-            </a:r>
-            <a:endParaRPr lang="en-US" sz="1200" dirty="0">
-              <a:solidFill>
-                <a:srgbClr val="000000"/>
-              </a:solidFill>
-            </a:endParaRPr>
-          </a:p>
-        </p:txBody>
-      </p:sp>
-      <p:pic>
-        <p:nvPicPr>
-          <p:cNvPr id="37" name="Picture 36"/>
-          <p:cNvPicPr>
-            <a:picLocks noChangeAspect="1"/>
-          </p:cNvPicPr>
-          <p:nvPr/>
-        </p:nvPicPr>
-        <p:blipFill rotWithShape="1">
-          <a:blip r:embed="rId2"/>
-          <a:srcRect t="55455" r="26118"/>
-          <a:stretch/>
-        </p:blipFill>
-        <p:spPr>
-          <a:xfrm>
-            <a:off x="4672742" y="5534713"/>
-            <a:ext cx="4119176" cy="928494"/>
-          </a:xfrm>
-          <a:prstGeom prst="rect">
-            <a:avLst/>
-          </a:prstGeom>
-        </p:spPr>
-      </p:pic>
-      <p:pic>
-        <p:nvPicPr>
-          <p:cNvPr id="36" name="Picture 35"/>
-          <p:cNvPicPr>
-            <a:picLocks noChangeAspect="1"/>
-          </p:cNvPicPr>
-          <p:nvPr/>
-        </p:nvPicPr>
-        <p:blipFill rotWithShape="1">
-          <a:blip r:embed="rId2"/>
-          <a:srcRect t="55455" r="22258"/>
-          <a:stretch/>
-        </p:blipFill>
-        <p:spPr>
-          <a:xfrm>
-            <a:off x="338370" y="5534950"/>
-            <a:ext cx="4334371" cy="928494"/>
-          </a:xfrm>
-          <a:prstGeom prst="rect">
-            <a:avLst/>
-          </a:prstGeom>
-        </p:spPr>
-      </p:pic>
-      <p:pic>
-        <p:nvPicPr>
-          <p:cNvPr id="27" name="Picture 26"/>
-          <p:cNvPicPr>
-            <a:picLocks noChangeAspect="1"/>
-          </p:cNvPicPr>
-          <p:nvPr/>
-        </p:nvPicPr>
-        <p:blipFill>
-          <a:blip r:embed="rId3">
-            <a:extLst>
-              <a:ext uri="{BEBA8EAE-BF5A-486C-A8C5-ECC9F3942E4B}">
-                <a14:imgProps xmlns:a14="http://schemas.microsoft.com/office/drawing/2010/main">
-                  <a14:imgLayer r:embed="rId4">
-                    <a14:imgEffect>
-                      <a14:backgroundRemoval t="9794" b="89691" l="5792" r="94788"/>
-                    </a14:imgEffect>
-                  </a14:imgLayer>
-                </a14:imgProps>
-              </a:ext>
-            </a:extLst>
-          </a:blip>
-          <a:stretch>
-            <a:fillRect/>
-          </a:stretch>
-        </p:blipFill>
-        <p:spPr>
-          <a:xfrm>
-            <a:off x="3647092" y="5405000"/>
-            <a:ext cx="1635247" cy="771264"/>
-          </a:xfrm>
-          <a:prstGeom prst="rect">
-            <a:avLst/>
-          </a:prstGeom>
-        </p:spPr>
-      </p:pic>
-      <p:pic>
-        <p:nvPicPr>
-          <p:cNvPr id="28" name="Picture 27"/>
-          <p:cNvPicPr>
-            <a:picLocks noChangeAspect="1"/>
-          </p:cNvPicPr>
-          <p:nvPr/>
-        </p:nvPicPr>
-        <p:blipFill>
-          <a:blip r:embed="rId5">
-            <a:extLst>
-              <a:ext uri="{BEBA8EAE-BF5A-486C-A8C5-ECC9F3942E4B}">
-                <a14:imgProps xmlns:a14="http://schemas.microsoft.com/office/drawing/2010/main">
-                  <a14:imgLayer r:embed="rId6">
-                    <a14:imgEffect>
-                      <a14:backgroundRemoval t="5667" b="95667" l="5167" r="93000"/>
-                    </a14:imgEffect>
-                  </a14:imgLayer>
-                </a14:imgProps>
-              </a:ext>
-            </a:extLst>
-          </a:blip>
-          <a:stretch>
-            <a:fillRect/>
-          </a:stretch>
-        </p:blipFill>
-        <p:spPr>
-          <a:xfrm>
-            <a:off x="6070377" y="4566273"/>
-            <a:ext cx="307357" cy="307357"/>
-          </a:xfrm>
-          <a:prstGeom prst="rect">
-            <a:avLst/>
-          </a:prstGeom>
-        </p:spPr>
-      </p:pic>
-      <p:cxnSp>
-        <p:nvCxnSpPr>
-          <p:cNvPr id="30" name="Straight Arrow Connector 29"/>
-          <p:cNvCxnSpPr/>
-          <p:nvPr/>
-        </p:nvCxnSpPr>
-        <p:spPr>
-          <a:xfrm>
-            <a:off x="1481589" y="3304864"/>
-            <a:ext cx="0" cy="618645"/>
-          </a:xfrm>
-          <a:prstGeom prst="straightConnector1">
-            <a:avLst/>
-          </a:prstGeom>
-          <a:ln>
-            <a:tailEnd type="arrow"/>
-          </a:ln>
-        </p:spPr>
-        <p:style>
-          <a:lnRef idx="2">
-            <a:schemeClr val="dk1"/>
-          </a:lnRef>
-          <a:fillRef idx="0">
-            <a:schemeClr val="dk1"/>
-          </a:fillRef>
-          <a:effectRef idx="1">
-            <a:schemeClr val="dk1"/>
-          </a:effectRef>
-          <a:fontRef idx="minor">
-            <a:schemeClr val="tx1"/>
-          </a:fontRef>
-        </p:style>
-      </p:cxnSp>
-      <p:cxnSp>
-        <p:nvCxnSpPr>
-          <p:cNvPr id="31" name="Straight Arrow Connector 30"/>
-          <p:cNvCxnSpPr/>
-          <p:nvPr/>
-        </p:nvCxnSpPr>
-        <p:spPr>
-          <a:xfrm>
-            <a:off x="2952785" y="3304864"/>
-            <a:ext cx="0" cy="618645"/>
-          </a:xfrm>
-          <a:prstGeom prst="straightConnector1">
-            <a:avLst/>
-          </a:prstGeom>
-          <a:ln>
-            <a:tailEnd type="arrow"/>
-          </a:ln>
-        </p:spPr>
-        <p:style>
-          <a:lnRef idx="2">
-            <a:schemeClr val="dk1"/>
-          </a:lnRef>
-          <a:fillRef idx="0">
-            <a:schemeClr val="dk1"/>
-          </a:fillRef>
-          <a:effectRef idx="1">
-            <a:schemeClr val="dk1"/>
-          </a:effectRef>
-          <a:fontRef idx="minor">
-            <a:schemeClr val="tx1"/>
-          </a:fontRef>
-        </p:style>
-      </p:cxnSp>
-      <p:cxnSp>
-        <p:nvCxnSpPr>
-          <p:cNvPr id="32" name="Straight Arrow Connector 31"/>
-          <p:cNvCxnSpPr/>
-          <p:nvPr/>
-        </p:nvCxnSpPr>
-        <p:spPr>
-          <a:xfrm>
-            <a:off x="4418096" y="3304864"/>
-            <a:ext cx="0" cy="618645"/>
-          </a:xfrm>
-          <a:prstGeom prst="straightConnector1">
-            <a:avLst/>
-          </a:prstGeom>
-          <a:ln>
-            <a:tailEnd type="arrow"/>
-          </a:ln>
-        </p:spPr>
-        <p:style>
-          <a:lnRef idx="2">
-            <a:schemeClr val="dk1"/>
-          </a:lnRef>
-          <a:fillRef idx="0">
-            <a:schemeClr val="dk1"/>
-          </a:fillRef>
-          <a:effectRef idx="1">
-            <a:schemeClr val="dk1"/>
-          </a:effectRef>
-          <a:fontRef idx="minor">
-            <a:schemeClr val="tx1"/>
-          </a:fontRef>
-        </p:style>
-      </p:cxnSp>
-      <p:cxnSp>
-        <p:nvCxnSpPr>
-          <p:cNvPr id="33" name="Straight Arrow Connector 32"/>
-          <p:cNvCxnSpPr/>
-          <p:nvPr/>
-        </p:nvCxnSpPr>
-        <p:spPr>
-          <a:xfrm>
-            <a:off x="5889292" y="3304864"/>
-            <a:ext cx="0" cy="618645"/>
-          </a:xfrm>
-          <a:prstGeom prst="straightConnector1">
-            <a:avLst/>
-          </a:prstGeom>
-          <a:ln>
-            <a:tailEnd type="arrow"/>
-          </a:ln>
-        </p:spPr>
-        <p:style>
-          <a:lnRef idx="2">
-            <a:schemeClr val="dk1"/>
-          </a:lnRef>
-          <a:fillRef idx="0">
-            <a:schemeClr val="dk1"/>
-          </a:fillRef>
-          <a:effectRef idx="1">
-            <a:schemeClr val="dk1"/>
-          </a:effectRef>
-          <a:fontRef idx="minor">
-            <a:schemeClr val="tx1"/>
-          </a:fontRef>
-        </p:style>
-      </p:cxnSp>
-      <p:cxnSp>
-        <p:nvCxnSpPr>
-          <p:cNvPr id="34" name="Straight Arrow Connector 33"/>
-          <p:cNvCxnSpPr/>
-          <p:nvPr/>
-        </p:nvCxnSpPr>
-        <p:spPr>
-          <a:xfrm>
-            <a:off x="7344198" y="3304864"/>
-            <a:ext cx="0" cy="618645"/>
-          </a:xfrm>
-          <a:prstGeom prst="straightConnector1">
-            <a:avLst/>
-          </a:prstGeom>
-          <a:ln>
-            <a:tailEnd type="arrow"/>
-          </a:ln>
-        </p:spPr>
-        <p:style>
-          <a:lnRef idx="2">
-            <a:schemeClr val="dk1"/>
-          </a:lnRef>
-          <a:fillRef idx="0">
-            <a:schemeClr val="dk1"/>
-          </a:fillRef>
-          <a:effectRef idx="1">
-            <a:schemeClr val="dk1"/>
-          </a:effectRef>
-          <a:fontRef idx="minor">
-            <a:schemeClr val="tx1"/>
-          </a:fontRef>
-        </p:style>
-      </p:cxnSp>
-      <p:sp>
-        <p:nvSpPr>
-          <p:cNvPr id="35" name="TextBox 34"/>
-          <p:cNvSpPr txBox="1"/>
-          <p:nvPr/>
-        </p:nvSpPr>
-        <p:spPr>
-          <a:xfrm>
-            <a:off x="2740458" y="3991065"/>
-            <a:ext cx="3355275" cy="307777"/>
-          </a:xfrm>
-          <a:prstGeom prst="rect">
-            <a:avLst/>
-          </a:prstGeom>
-          <a:noFill/>
-        </p:spPr>
-        <p:txBody>
-          <a:bodyPr wrap="square" rtlCol="0">
-            <a:spAutoFit/>
-          </a:bodyPr>
-          <a:lstStyle/>
-          <a:p>
-            <a:pPr algn="ctr"/>
-            <a:r>
-              <a:rPr lang="en-US" sz="1400" dirty="0" smtClean="0">
-                <a:latin typeface="Helvetica"/>
-                <a:cs typeface="Helvetica"/>
-              </a:rPr>
-              <a:t>Kitties move down every x seconds</a:t>
-            </a:r>
-            <a:endParaRPr lang="en-US" sz="1400" dirty="0">
-              <a:latin typeface="Helvetica"/>
-              <a:cs typeface="Helvetica"/>
-            </a:endParaRPr>
-          </a:p>
-        </p:txBody>
-      </p:sp>
-      <p:sp>
-        <p:nvSpPr>
-          <p:cNvPr id="38" name="TextBox 37"/>
-          <p:cNvSpPr txBox="1"/>
-          <p:nvPr/>
-        </p:nvSpPr>
-        <p:spPr>
-          <a:xfrm>
-            <a:off x="358195" y="5209638"/>
-            <a:ext cx="4477359" cy="307777"/>
-          </a:xfrm>
-          <a:prstGeom prst="rect">
-            <a:avLst/>
-          </a:prstGeom>
-          <a:noFill/>
-        </p:spPr>
-        <p:txBody>
-          <a:bodyPr wrap="square" rtlCol="0">
-            <a:spAutoFit/>
-          </a:bodyPr>
-          <a:lstStyle/>
-          <a:p>
-            <a:r>
-              <a:rPr lang="en-US" sz="1400" dirty="0" smtClean="0">
-                <a:latin typeface="Helvetica"/>
-                <a:cs typeface="Helvetica"/>
-              </a:rPr>
-              <a:t>Don’t let the kitties reach the fence!</a:t>
-            </a:r>
-            <a:endParaRPr lang="en-US" sz="1400" dirty="0">
-              <a:latin typeface="Helvetica"/>
-              <a:cs typeface="Helvetica"/>
-            </a:endParaRPr>
-          </a:p>
-        </p:txBody>
-      </p:sp>
-    </p:spTree>
-    <p:extLst>
-      <p:ext uri="{BB962C8B-B14F-4D97-AF65-F5344CB8AC3E}">
-        <p14:creationId xmlns:p14="http://schemas.microsoft.com/office/powerpoint/2010/main" val="2729354336"/>
-      </p:ext>
-    </p:extLst>
-  </p:cSld>
-  <p:clrMapOvr>
-    <a:masterClrMapping/>
-  </p:clrMapOvr>
-  <p:timing>
-    <p:tnLst>
-      <p:par>
-        <p:cTn xmlns:p14="http://schemas.microsoft.com/office/powerpoint/2010/main" id="1" dur="indefinite" restart="never" nodeType="tmRoot"/>
-      </p:par>
-    </p:tnLst>
-  </p:timing>
-</p:sld>
-</file>
-
 <file path=ppt/theme/theme1.xml><?xml version="1.0" encoding="utf-8"?>
 <a:theme xmlns:a="http://schemas.openxmlformats.org/drawingml/2006/main" name="Office Theme">
   <a:themeElements>
